--- a/doc/human_gamepad.pptx
+++ b/doc/human_gamepad.pptx
@@ -5,10 +5,10 @@
     <p:sldMasterId id="2147483648" r:id="rId1"/>
   </p:sldMasterIdLst>
   <p:notesMasterIdLst>
-    <p:notesMasterId r:id="rId14"/>
+    <p:notesMasterId r:id="rId15"/>
   </p:notesMasterIdLst>
   <p:handoutMasterIdLst>
-    <p:handoutMasterId r:id="rId15"/>
+    <p:handoutMasterId r:id="rId16"/>
   </p:handoutMasterIdLst>
   <p:sldIdLst>
     <p:sldId id="256" r:id="rId2"/>
@@ -18,11 +18,12 @@
     <p:sldId id="265" r:id="rId6"/>
     <p:sldId id="266" r:id="rId7"/>
     <p:sldId id="267" r:id="rId8"/>
-    <p:sldId id="268" r:id="rId9"/>
-    <p:sldId id="269" r:id="rId10"/>
-    <p:sldId id="270" r:id="rId11"/>
-    <p:sldId id="262" r:id="rId12"/>
-    <p:sldId id="257" r:id="rId13"/>
+    <p:sldId id="271" r:id="rId9"/>
+    <p:sldId id="268" r:id="rId10"/>
+    <p:sldId id="269" r:id="rId11"/>
+    <p:sldId id="270" r:id="rId12"/>
+    <p:sldId id="262" r:id="rId13"/>
+    <p:sldId id="257" r:id="rId14"/>
   </p:sldIdLst>
   <p:sldSz cx="12192000" cy="6858000"/>
   <p:notesSz cx="6858000" cy="9144000"/>
@@ -123,7 +124,7 @@
   </p:defaultTextStyle>
   <p:extLst>
     <p:ext uri="{EFAFB233-063F-42B5-8137-9DF3F51BA10A}">
-      <p15:sldGuideLst xmlns:p15="http://schemas.microsoft.com/office/powerpoint/2012/main">
+      <p15:sldGuideLst xmlns:p15="http://schemas.microsoft.com/office/powerpoint/2012/main" xmlns="">
         <p15:guide id="1" orient="horz" pos="2160">
           <p15:clr>
             <a:srgbClr val="A4A3A4"/>
@@ -137,7 +138,7 @@
       </p15:sldGuideLst>
     </p:ext>
     <p:ext uri="{2D200454-40CA-4A62-9FC3-DE9A4176ACB9}">
-      <p15:notesGuideLst xmlns:p15="http://schemas.microsoft.com/office/powerpoint/2012/main"/>
+      <p15:notesGuideLst xmlns:p15="http://schemas.microsoft.com/office/powerpoint/2012/main" xmlns=""/>
     </p:ext>
   </p:extLst>
 </p:presentation>
@@ -342,7 +343,7 @@
           <p:cNvPr id="2" name="Header Placeholder 1">
             <a:extLst>
               <a:ext uri="{FF2B5EF4-FFF2-40B4-BE49-F238E27FC236}">
-                <a16:creationId xmlns:a16="http://schemas.microsoft.com/office/drawing/2014/main" id="{EB546970-C7F2-4FB2-AE81-8FB0AED27855}"/>
+                <a16:creationId xmlns:a16="http://schemas.microsoft.com/office/drawing/2014/main" xmlns="" id="{EB546970-C7F2-4FB2-AE81-8FB0AED27855}"/>
               </a:ext>
             </a:extLst>
           </p:cNvPr>
@@ -379,7 +380,7 @@
           <p:cNvPr id="3" name="Date Placeholder 2">
             <a:extLst>
               <a:ext uri="{FF2B5EF4-FFF2-40B4-BE49-F238E27FC236}">
-                <a16:creationId xmlns:a16="http://schemas.microsoft.com/office/drawing/2014/main" id="{03FCE6B2-19DD-4EC7-B315-062FFCE4142C}"/>
+                <a16:creationId xmlns:a16="http://schemas.microsoft.com/office/drawing/2014/main" xmlns="" id="{03FCE6B2-19DD-4EC7-B315-062FFCE4142C}"/>
               </a:ext>
             </a:extLst>
           </p:cNvPr>
@@ -420,7 +421,7 @@
           <p:cNvPr id="4" name="Footer Placeholder 3">
             <a:extLst>
               <a:ext uri="{FF2B5EF4-FFF2-40B4-BE49-F238E27FC236}">
-                <a16:creationId xmlns:a16="http://schemas.microsoft.com/office/drawing/2014/main" id="{2414248A-BC95-41B8-BD90-509D953D7B07}"/>
+                <a16:creationId xmlns:a16="http://schemas.microsoft.com/office/drawing/2014/main" xmlns="" id="{2414248A-BC95-41B8-BD90-509D953D7B07}"/>
               </a:ext>
             </a:extLst>
           </p:cNvPr>
@@ -457,7 +458,7 @@
           <p:cNvPr id="5" name="Slide Number Placeholder 4">
             <a:extLst>
               <a:ext uri="{FF2B5EF4-FFF2-40B4-BE49-F238E27FC236}">
-                <a16:creationId xmlns:a16="http://schemas.microsoft.com/office/drawing/2014/main" id="{31A95A17-70A1-433B-B9FF-43F1CEBE8843}"/>
+                <a16:creationId xmlns:a16="http://schemas.microsoft.com/office/drawing/2014/main" xmlns="" id="{31A95A17-70A1-433B-B9FF-43F1CEBE8843}"/>
               </a:ext>
             </a:extLst>
           </p:cNvPr>
@@ -1047,904 +1048,6 @@
           <a:lstStyle/>
           <a:p>
             <a:r>
-              <a:rPr lang="cs-CZ" dirty="0" err="1"/>
-              <a:t>Hands</a:t>
-            </a:r>
-            <a:r>
-              <a:rPr lang="cs-CZ" dirty="0"/>
-              <a:t> up </a:t>
-            </a:r>
-            <a:r>
-              <a:rPr lang="cs-CZ" dirty="0" err="1"/>
-              <a:t>who</a:t>
-            </a:r>
-            <a:r>
-              <a:rPr lang="cs-CZ" dirty="0"/>
-              <a:t> </a:t>
-            </a:r>
-            <a:r>
-              <a:rPr lang="cs-CZ" dirty="0" err="1"/>
-              <a:t>plays</a:t>
-            </a:r>
-            <a:r>
-              <a:rPr lang="cs-CZ" dirty="0"/>
-              <a:t> </a:t>
-            </a:r>
-            <a:r>
-              <a:rPr lang="cs-CZ" dirty="0" err="1"/>
-              <a:t>some</a:t>
-            </a:r>
-            <a:r>
-              <a:rPr lang="cs-CZ" dirty="0"/>
-              <a:t> </a:t>
-            </a:r>
-            <a:r>
-              <a:rPr lang="cs-CZ" dirty="0" err="1"/>
-              <a:t>computer</a:t>
-            </a:r>
-            <a:r>
-              <a:rPr lang="cs-CZ" dirty="0"/>
-              <a:t> </a:t>
-            </a:r>
-            <a:r>
-              <a:rPr lang="cs-CZ" dirty="0" err="1"/>
-              <a:t>games</a:t>
-            </a:r>
-            <a:r>
-              <a:rPr lang="cs-CZ" dirty="0"/>
-              <a:t>! (</a:t>
-            </a:r>
-            <a:r>
-              <a:rPr lang="cs-CZ" dirty="0" err="1"/>
-              <a:t>Seems</a:t>
-            </a:r>
-            <a:r>
-              <a:rPr lang="cs-CZ" dirty="0"/>
-              <a:t> </a:t>
-            </a:r>
-            <a:r>
-              <a:rPr lang="cs-CZ" dirty="0" err="1"/>
-              <a:t>you</a:t>
-            </a:r>
-            <a:r>
-              <a:rPr lang="cs-CZ" dirty="0"/>
-              <a:t> are a bit </a:t>
-            </a:r>
-            <a:r>
-              <a:rPr lang="cs-CZ" dirty="0" err="1"/>
-              <a:t>ashamed</a:t>
-            </a:r>
-            <a:r>
-              <a:rPr lang="cs-CZ" dirty="0"/>
-              <a:t> to </a:t>
-            </a:r>
-            <a:r>
-              <a:rPr lang="cs-CZ" dirty="0" err="1"/>
-              <a:t>admit</a:t>
-            </a:r>
-            <a:r>
-              <a:rPr lang="cs-CZ" dirty="0"/>
-              <a:t> </a:t>
-            </a:r>
-            <a:r>
-              <a:rPr lang="cs-CZ" dirty="0" err="1"/>
-              <a:t>that</a:t>
-            </a:r>
-            <a:r>
-              <a:rPr lang="cs-CZ" dirty="0"/>
-              <a:t>, but I </a:t>
-            </a:r>
-            <a:r>
-              <a:rPr lang="cs-CZ" dirty="0" err="1"/>
-              <a:t>would</a:t>
-            </a:r>
-            <a:r>
-              <a:rPr lang="cs-CZ" dirty="0"/>
-              <a:t> </a:t>
-            </a:r>
-            <a:r>
-              <a:rPr lang="cs-CZ" dirty="0" err="1"/>
-              <a:t>assume</a:t>
-            </a:r>
-            <a:r>
-              <a:rPr lang="cs-CZ" dirty="0"/>
-              <a:t> most </a:t>
-            </a:r>
-            <a:r>
-              <a:rPr lang="cs-CZ" dirty="0" err="1"/>
-              <a:t>of</a:t>
-            </a:r>
-            <a:r>
-              <a:rPr lang="cs-CZ" dirty="0"/>
-              <a:t> </a:t>
-            </a:r>
-            <a:r>
-              <a:rPr lang="cs-CZ" dirty="0" err="1"/>
-              <a:t>you</a:t>
-            </a:r>
-            <a:r>
-              <a:rPr lang="cs-CZ" dirty="0"/>
-              <a:t> play).</a:t>
-            </a:r>
-            <a:endParaRPr lang="en-US" dirty="0"/>
-          </a:p>
-          <a:p>
-            <a:endParaRPr lang="en-US" dirty="0"/>
-          </a:p>
-          <a:p>
-            <a:pPr marL="0" marR="0" lvl="0" indent="0" algn="l" defTabSz="914400" rtl="0" eaLnBrk="1" fontAlgn="auto" latinLnBrk="0" hangingPunct="1">
-              <a:lnSpc>
-                <a:spcPct val="100000"/>
-              </a:lnSpc>
-              <a:spcBef>
-                <a:spcPts val="0"/>
-              </a:spcBef>
-              <a:spcAft>
-                <a:spcPts val="0"/>
-              </a:spcAft>
-              <a:buClrTx/>
-              <a:buSzTx/>
-              <a:buFontTx/>
-              <a:buNone/>
-              <a:tabLst/>
-              <a:defRPr/>
-            </a:pPr>
-            <a:r>
-              <a:rPr lang="cs-CZ" dirty="0" err="1"/>
-              <a:t>Well</a:t>
-            </a:r>
-            <a:r>
-              <a:rPr lang="cs-CZ" dirty="0"/>
-              <a:t>, and I </a:t>
-            </a:r>
-            <a:r>
-              <a:rPr lang="cs-CZ" dirty="0" err="1"/>
-              <a:t>am</a:t>
-            </a:r>
-            <a:r>
-              <a:rPr lang="cs-CZ" dirty="0"/>
-              <a:t> </a:t>
-            </a:r>
-            <a:r>
-              <a:rPr lang="cs-CZ" dirty="0" err="1"/>
-              <a:t>pretty</a:t>
-            </a:r>
-            <a:r>
-              <a:rPr lang="cs-CZ" dirty="0"/>
-              <a:t> </a:t>
-            </a:r>
-            <a:r>
-              <a:rPr lang="cs-CZ" dirty="0" err="1"/>
-              <a:t>sure</a:t>
-            </a:r>
-            <a:r>
-              <a:rPr lang="cs-CZ" dirty="0"/>
-              <a:t>, </a:t>
-            </a:r>
-            <a:r>
-              <a:rPr lang="cs-CZ" dirty="0" err="1"/>
-              <a:t>that</a:t>
-            </a:r>
-            <a:r>
-              <a:rPr lang="cs-CZ" dirty="0"/>
-              <a:t> </a:t>
-            </a:r>
-            <a:r>
-              <a:rPr lang="cs-CZ" dirty="0" err="1"/>
-              <a:t>you</a:t>
-            </a:r>
-            <a:r>
-              <a:rPr lang="cs-CZ" dirty="0"/>
-              <a:t> </a:t>
-            </a:r>
-            <a:r>
-              <a:rPr lang="cs-CZ" dirty="0" err="1"/>
-              <a:t>have</a:t>
-            </a:r>
-            <a:r>
-              <a:rPr lang="cs-CZ" dirty="0"/>
-              <a:t> </a:t>
-            </a:r>
-            <a:r>
-              <a:rPr lang="cs-CZ" dirty="0" err="1"/>
-              <a:t>that</a:t>
-            </a:r>
-            <a:r>
-              <a:rPr lang="cs-CZ" dirty="0"/>
-              <a:t> </a:t>
-            </a:r>
-            <a:r>
-              <a:rPr lang="cs-CZ" dirty="0" err="1"/>
-              <a:t>one</a:t>
-            </a:r>
-            <a:r>
-              <a:rPr lang="cs-CZ" dirty="0"/>
-              <a:t> game, </a:t>
-            </a:r>
-            <a:r>
-              <a:rPr lang="cs-CZ" dirty="0" err="1"/>
-              <a:t>you</a:t>
-            </a:r>
-            <a:r>
-              <a:rPr lang="cs-CZ" dirty="0"/>
-              <a:t> </a:t>
-            </a:r>
-            <a:r>
-              <a:rPr lang="cs-CZ" dirty="0" err="1"/>
-              <a:t>played</a:t>
-            </a:r>
-            <a:r>
-              <a:rPr lang="cs-CZ" dirty="0"/>
-              <a:t> </a:t>
-            </a:r>
-            <a:r>
-              <a:rPr lang="cs-CZ" dirty="0" err="1"/>
-              <a:t>when</a:t>
-            </a:r>
-            <a:r>
-              <a:rPr lang="cs-CZ" dirty="0"/>
-              <a:t> </a:t>
-            </a:r>
-            <a:r>
-              <a:rPr lang="cs-CZ" dirty="0" err="1"/>
-              <a:t>you</a:t>
-            </a:r>
-            <a:r>
-              <a:rPr lang="cs-CZ" dirty="0"/>
-              <a:t> </a:t>
-            </a:r>
-            <a:r>
-              <a:rPr lang="cs-CZ" dirty="0" err="1"/>
-              <a:t>were</a:t>
-            </a:r>
-            <a:r>
-              <a:rPr lang="cs-CZ" dirty="0"/>
-              <a:t> </a:t>
-            </a:r>
-            <a:r>
-              <a:rPr lang="cs-CZ" dirty="0" err="1"/>
-              <a:t>children</a:t>
-            </a:r>
-            <a:r>
-              <a:rPr lang="cs-CZ" dirty="0"/>
-              <a:t>. </a:t>
-            </a:r>
-            <a:r>
-              <a:rPr lang="cs-CZ" dirty="0" err="1"/>
-              <a:t>Duke</a:t>
-            </a:r>
-            <a:r>
-              <a:rPr lang="cs-CZ" dirty="0"/>
-              <a:t> </a:t>
-            </a:r>
-            <a:r>
-              <a:rPr lang="cs-CZ" dirty="0" err="1"/>
-              <a:t>Nukem</a:t>
-            </a:r>
-            <a:r>
-              <a:rPr lang="cs-CZ" dirty="0"/>
-              <a:t> 3D? </a:t>
-            </a:r>
-            <a:r>
-              <a:rPr lang="cs-CZ" dirty="0" err="1"/>
-              <a:t>Wolfenstein</a:t>
-            </a:r>
-            <a:r>
-              <a:rPr lang="cs-CZ" dirty="0"/>
-              <a:t>? </a:t>
-            </a:r>
-            <a:r>
-              <a:rPr lang="cs-CZ" dirty="0" err="1"/>
-              <a:t>Need</a:t>
-            </a:r>
-            <a:r>
-              <a:rPr lang="cs-CZ" dirty="0"/>
-              <a:t> </a:t>
-            </a:r>
-            <a:r>
-              <a:rPr lang="cs-CZ" dirty="0" err="1"/>
-              <a:t>for</a:t>
-            </a:r>
-            <a:r>
-              <a:rPr lang="cs-CZ" dirty="0"/>
-              <a:t> Speed </a:t>
-            </a:r>
-            <a:r>
-              <a:rPr lang="cs-CZ" dirty="0" err="1"/>
-              <a:t>Undergroung</a:t>
-            </a:r>
-            <a:r>
-              <a:rPr lang="cs-CZ" dirty="0"/>
-              <a:t> are mine </a:t>
-            </a:r>
-            <a:r>
-              <a:rPr lang="cs-CZ" dirty="0" err="1"/>
-              <a:t>for</a:t>
-            </a:r>
-            <a:r>
-              <a:rPr lang="cs-CZ" dirty="0"/>
-              <a:t> instance. And </a:t>
-            </a:r>
-            <a:r>
-              <a:rPr lang="cs-CZ" dirty="0" err="1"/>
-              <a:t>those</a:t>
-            </a:r>
-            <a:r>
-              <a:rPr lang="cs-CZ" dirty="0"/>
-              <a:t> </a:t>
-            </a:r>
-            <a:r>
-              <a:rPr lang="cs-CZ" dirty="0" err="1"/>
-              <a:t>games</a:t>
-            </a:r>
-            <a:r>
-              <a:rPr lang="cs-CZ" dirty="0"/>
-              <a:t> </a:t>
-            </a:r>
-            <a:r>
-              <a:rPr lang="cs-CZ" dirty="0" err="1"/>
-              <a:t>were</a:t>
-            </a:r>
-            <a:r>
-              <a:rPr lang="cs-CZ" dirty="0"/>
-              <a:t> a lot </a:t>
-            </a:r>
-            <a:r>
-              <a:rPr lang="cs-CZ" dirty="0" err="1"/>
-              <a:t>of</a:t>
-            </a:r>
-            <a:r>
-              <a:rPr lang="cs-CZ" dirty="0"/>
-              <a:t> </a:t>
-            </a:r>
-            <a:r>
-              <a:rPr lang="cs-CZ" dirty="0" err="1"/>
-              <a:t>fun</a:t>
-            </a:r>
-            <a:r>
-              <a:rPr lang="cs-CZ" dirty="0"/>
-              <a:t>, but Do I play </a:t>
-            </a:r>
-            <a:r>
-              <a:rPr lang="cs-CZ" dirty="0" err="1"/>
-              <a:t>them</a:t>
-            </a:r>
-            <a:r>
-              <a:rPr lang="cs-CZ" dirty="0"/>
-              <a:t> </a:t>
-            </a:r>
-            <a:r>
-              <a:rPr lang="cs-CZ" dirty="0" err="1"/>
-              <a:t>today</a:t>
-            </a:r>
-            <a:r>
-              <a:rPr lang="cs-CZ" dirty="0"/>
-              <a:t>? Not </a:t>
-            </a:r>
-            <a:r>
-              <a:rPr lang="cs-CZ" dirty="0" err="1"/>
-              <a:t>anymore</a:t>
-            </a:r>
-            <a:r>
-              <a:rPr lang="cs-CZ" dirty="0"/>
-              <a:t>. I </a:t>
-            </a:r>
-            <a:r>
-              <a:rPr lang="cs-CZ" dirty="0" err="1"/>
-              <a:t>played</a:t>
-            </a:r>
-            <a:r>
-              <a:rPr lang="cs-CZ" dirty="0"/>
-              <a:t> </a:t>
-            </a:r>
-            <a:r>
-              <a:rPr lang="cs-CZ" dirty="0" err="1"/>
-              <a:t>them</a:t>
-            </a:r>
-            <a:r>
-              <a:rPr lang="cs-CZ" dirty="0"/>
-              <a:t> </a:t>
-            </a:r>
-            <a:r>
-              <a:rPr lang="cs-CZ" dirty="0" err="1"/>
-              <a:t>for</a:t>
-            </a:r>
-            <a:r>
-              <a:rPr lang="cs-CZ" dirty="0"/>
-              <a:t> so long </a:t>
-            </a:r>
-            <a:r>
-              <a:rPr lang="cs-CZ" dirty="0" err="1"/>
-              <a:t>that</a:t>
-            </a:r>
-            <a:r>
-              <a:rPr lang="cs-CZ" dirty="0"/>
-              <a:t> – </a:t>
-            </a:r>
-            <a:r>
-              <a:rPr lang="cs-CZ" dirty="0" err="1"/>
-              <a:t>well</a:t>
-            </a:r>
-            <a:r>
-              <a:rPr lang="cs-CZ" dirty="0"/>
-              <a:t> – </a:t>
-            </a:r>
-            <a:r>
-              <a:rPr lang="cs-CZ" dirty="0" err="1"/>
-              <a:t>the</a:t>
-            </a:r>
-            <a:r>
-              <a:rPr lang="cs-CZ" dirty="0"/>
-              <a:t> </a:t>
-            </a:r>
-            <a:r>
-              <a:rPr lang="cs-CZ" dirty="0" err="1"/>
-              <a:t>fun</a:t>
-            </a:r>
-            <a:r>
-              <a:rPr lang="cs-CZ" dirty="0"/>
-              <a:t> </a:t>
-            </a:r>
-            <a:r>
-              <a:rPr lang="cs-CZ" dirty="0" err="1"/>
-              <a:t>is</a:t>
-            </a:r>
-            <a:r>
-              <a:rPr lang="cs-CZ" dirty="0"/>
-              <a:t> </a:t>
-            </a:r>
-            <a:r>
-              <a:rPr lang="cs-CZ" dirty="0" err="1"/>
-              <a:t>gone</a:t>
-            </a:r>
-            <a:r>
-              <a:rPr lang="cs-CZ" dirty="0"/>
-              <a:t>, </a:t>
-            </a:r>
-            <a:r>
-              <a:rPr lang="cs-CZ" dirty="0" err="1"/>
-              <a:t>they</a:t>
-            </a:r>
-            <a:r>
-              <a:rPr lang="cs-CZ" dirty="0"/>
-              <a:t> are </a:t>
-            </a:r>
-            <a:r>
-              <a:rPr lang="cs-CZ" dirty="0" err="1"/>
-              <a:t>way</a:t>
-            </a:r>
-            <a:r>
-              <a:rPr lang="cs-CZ" dirty="0"/>
-              <a:t> </a:t>
-            </a:r>
-            <a:r>
-              <a:rPr lang="cs-CZ" dirty="0" err="1"/>
-              <a:t>too</a:t>
-            </a:r>
-            <a:r>
-              <a:rPr lang="cs-CZ" dirty="0"/>
-              <a:t> </a:t>
-            </a:r>
-            <a:r>
-              <a:rPr lang="cs-CZ" dirty="0" err="1"/>
-              <a:t>familiar</a:t>
-            </a:r>
-            <a:r>
-              <a:rPr lang="cs-CZ" dirty="0"/>
-              <a:t>.</a:t>
-            </a:r>
-          </a:p>
-          <a:p>
-            <a:endParaRPr lang="cs-CZ" dirty="0"/>
-          </a:p>
-          <a:p>
-            <a:r>
-              <a:rPr lang="cs-CZ" dirty="0"/>
-              <a:t>But </a:t>
-            </a:r>
-            <a:r>
-              <a:rPr lang="cs-CZ" dirty="0" err="1"/>
-              <a:t>What</a:t>
-            </a:r>
-            <a:r>
-              <a:rPr lang="cs-CZ" dirty="0"/>
-              <a:t> </a:t>
-            </a:r>
-            <a:r>
-              <a:rPr lang="cs-CZ" dirty="0" err="1"/>
-              <a:t>if</a:t>
-            </a:r>
-            <a:r>
-              <a:rPr lang="cs-CZ" dirty="0"/>
-              <a:t> I </a:t>
-            </a:r>
-            <a:r>
-              <a:rPr lang="cs-CZ" dirty="0" err="1"/>
-              <a:t>told</a:t>
-            </a:r>
-            <a:r>
-              <a:rPr lang="cs-CZ" dirty="0"/>
-              <a:t> </a:t>
-            </a:r>
-            <a:r>
-              <a:rPr lang="cs-CZ" dirty="0" err="1"/>
-              <a:t>you</a:t>
-            </a:r>
-            <a:r>
-              <a:rPr lang="cs-CZ" dirty="0"/>
-              <a:t> </a:t>
-            </a:r>
-            <a:r>
-              <a:rPr lang="cs-CZ" dirty="0" err="1"/>
-              <a:t>there</a:t>
-            </a:r>
-            <a:r>
-              <a:rPr lang="cs-CZ" dirty="0"/>
-              <a:t> </a:t>
-            </a:r>
-            <a:r>
-              <a:rPr lang="cs-CZ" dirty="0" err="1"/>
-              <a:t>is</a:t>
-            </a:r>
-            <a:r>
-              <a:rPr lang="cs-CZ" dirty="0"/>
-              <a:t> a </a:t>
-            </a:r>
-            <a:r>
-              <a:rPr lang="cs-CZ" dirty="0" err="1"/>
-              <a:t>way</a:t>
-            </a:r>
-            <a:r>
-              <a:rPr lang="cs-CZ" dirty="0"/>
-              <a:t> to </a:t>
-            </a:r>
-            <a:r>
-              <a:rPr lang="cs-CZ" dirty="0" err="1"/>
-              <a:t>enjoy</a:t>
-            </a:r>
-            <a:r>
-              <a:rPr lang="cs-CZ" dirty="0"/>
-              <a:t> </a:t>
-            </a:r>
-            <a:r>
-              <a:rPr lang="cs-CZ" dirty="0" err="1"/>
-              <a:t>the</a:t>
-            </a:r>
-            <a:r>
-              <a:rPr lang="cs-CZ" dirty="0"/>
-              <a:t> </a:t>
-            </a:r>
-            <a:r>
-              <a:rPr lang="cs-CZ" dirty="0" err="1"/>
-              <a:t>games</a:t>
-            </a:r>
-            <a:r>
-              <a:rPr lang="cs-CZ" dirty="0"/>
-              <a:t> </a:t>
-            </a:r>
-            <a:r>
-              <a:rPr lang="cs-CZ" dirty="0" err="1"/>
-              <a:t>once</a:t>
-            </a:r>
-            <a:r>
-              <a:rPr lang="cs-CZ" dirty="0"/>
-              <a:t> </a:t>
-            </a:r>
-            <a:r>
-              <a:rPr lang="cs-CZ" dirty="0" err="1"/>
-              <a:t>again</a:t>
-            </a:r>
-            <a:r>
-              <a:rPr lang="cs-CZ" dirty="0"/>
-              <a:t>. To </a:t>
-            </a:r>
-            <a:r>
-              <a:rPr lang="cs-CZ" dirty="0" err="1"/>
-              <a:t>share</a:t>
-            </a:r>
-            <a:r>
-              <a:rPr lang="cs-CZ" dirty="0"/>
-              <a:t> </a:t>
-            </a:r>
-            <a:r>
-              <a:rPr lang="cs-CZ" dirty="0" err="1"/>
-              <a:t>that</a:t>
-            </a:r>
-            <a:r>
-              <a:rPr lang="cs-CZ" dirty="0"/>
-              <a:t> </a:t>
-            </a:r>
-            <a:r>
-              <a:rPr lang="cs-CZ" dirty="0" err="1"/>
-              <a:t>joy</a:t>
-            </a:r>
-            <a:r>
-              <a:rPr lang="cs-CZ" dirty="0"/>
-              <a:t> </a:t>
-            </a:r>
-            <a:r>
-              <a:rPr lang="cs-CZ" dirty="0" err="1"/>
-              <a:t>with</a:t>
-            </a:r>
-            <a:r>
-              <a:rPr lang="cs-CZ" dirty="0"/>
-              <a:t> </a:t>
-            </a:r>
-            <a:r>
-              <a:rPr lang="cs-CZ" dirty="0" err="1"/>
-              <a:t>your</a:t>
-            </a:r>
-            <a:r>
-              <a:rPr lang="cs-CZ" dirty="0"/>
-              <a:t> </a:t>
-            </a:r>
-            <a:r>
-              <a:rPr lang="cs-CZ" dirty="0" err="1"/>
-              <a:t>friends</a:t>
-            </a:r>
-            <a:r>
-              <a:rPr lang="cs-CZ" dirty="0"/>
-              <a:t>, and to make </a:t>
-            </a:r>
-            <a:r>
-              <a:rPr lang="cs-CZ" dirty="0" err="1"/>
-              <a:t>virtually</a:t>
-            </a:r>
-            <a:r>
-              <a:rPr lang="cs-CZ" dirty="0"/>
-              <a:t> any game a multiplayer </a:t>
-            </a:r>
-            <a:r>
-              <a:rPr lang="cs-CZ" dirty="0" err="1"/>
-              <a:t>cooperative</a:t>
-            </a:r>
-            <a:r>
-              <a:rPr lang="cs-CZ" dirty="0"/>
-              <a:t> party game. Let</a:t>
-            </a:r>
-            <a:r>
-              <a:rPr lang="en-US" dirty="0"/>
-              <a:t>’s see how it works.</a:t>
-            </a:r>
-            <a:endParaRPr lang="cs-CZ" dirty="0"/>
-          </a:p>
-          <a:p>
-            <a:endParaRPr lang="cs-CZ" dirty="0"/>
-          </a:p>
-          <a:p>
-            <a:r>
-              <a:rPr lang="cs-CZ" dirty="0" err="1"/>
-              <a:t>The</a:t>
-            </a:r>
-            <a:r>
-              <a:rPr lang="cs-CZ" dirty="0"/>
-              <a:t> idea </a:t>
-            </a:r>
-            <a:r>
-              <a:rPr lang="cs-CZ" dirty="0" err="1"/>
-              <a:t>is</a:t>
-            </a:r>
-            <a:r>
-              <a:rPr lang="cs-CZ" dirty="0"/>
-              <a:t> </a:t>
-            </a:r>
-            <a:r>
-              <a:rPr lang="cs-CZ" dirty="0" err="1"/>
-              <a:t>pretty</a:t>
-            </a:r>
-            <a:r>
-              <a:rPr lang="cs-CZ" dirty="0"/>
-              <a:t> </a:t>
-            </a:r>
-            <a:r>
-              <a:rPr lang="cs-CZ" dirty="0" err="1"/>
-              <a:t>simple</a:t>
-            </a:r>
-            <a:r>
-              <a:rPr lang="cs-CZ" dirty="0"/>
-              <a:t>. </a:t>
-            </a:r>
-            <a:r>
-              <a:rPr lang="en-US" dirty="0"/>
-              <a:t>Each of the players is responsible only for fraction of the controls, they have to cooperate and talk to each other to be successful. </a:t>
-            </a:r>
-            <a:r>
-              <a:rPr lang="cs-CZ" dirty="0" err="1"/>
-              <a:t>Say</a:t>
-            </a:r>
-            <a:r>
-              <a:rPr lang="cs-CZ" dirty="0"/>
-              <a:t>, Martin, Kamil and Petr </a:t>
-            </a:r>
-            <a:r>
-              <a:rPr lang="cs-CZ" dirty="0" err="1"/>
-              <a:t>meet</a:t>
-            </a:r>
-            <a:r>
-              <a:rPr lang="cs-CZ" dirty="0"/>
-              <a:t> on a party and </a:t>
-            </a:r>
-            <a:r>
-              <a:rPr lang="cs-CZ" dirty="0" err="1"/>
-              <a:t>would</a:t>
-            </a:r>
-            <a:r>
-              <a:rPr lang="cs-CZ" dirty="0"/>
-              <a:t> love to play </a:t>
-            </a:r>
-            <a:r>
-              <a:rPr lang="cs-CZ" dirty="0" err="1"/>
-              <a:t>Doom</a:t>
-            </a:r>
-            <a:r>
-              <a:rPr lang="cs-CZ" dirty="0"/>
-              <a:t>, </a:t>
-            </a:r>
-            <a:r>
-              <a:rPr lang="cs-CZ" dirty="0" err="1"/>
-              <a:t>together</a:t>
-            </a:r>
-            <a:r>
-              <a:rPr lang="cs-CZ" dirty="0"/>
-              <a:t>. </a:t>
-            </a:r>
-            <a:r>
-              <a:rPr lang="en-US" dirty="0"/>
-              <a:t>So with our app, they can share the control of the main character in a way, that Martin </a:t>
-            </a:r>
-            <a:r>
-              <a:rPr lang="cs-CZ" dirty="0" err="1"/>
-              <a:t>here</a:t>
-            </a:r>
-            <a:r>
-              <a:rPr lang="cs-CZ" dirty="0"/>
-              <a:t> </a:t>
-            </a:r>
-            <a:r>
-              <a:rPr lang="cs-CZ" dirty="0" err="1"/>
-              <a:t>is</a:t>
-            </a:r>
-            <a:r>
-              <a:rPr lang="cs-CZ" dirty="0"/>
-              <a:t> </a:t>
-            </a:r>
-            <a:r>
-              <a:rPr lang="cs-CZ" dirty="0" err="1"/>
-              <a:t>responsible</a:t>
-            </a:r>
-            <a:r>
-              <a:rPr lang="cs-CZ" dirty="0"/>
-              <a:t> </a:t>
-            </a:r>
-            <a:r>
-              <a:rPr lang="cs-CZ" dirty="0" err="1"/>
-              <a:t>for</a:t>
-            </a:r>
-            <a:r>
-              <a:rPr lang="cs-CZ" dirty="0"/>
-              <a:t> </a:t>
-            </a:r>
-            <a:r>
-              <a:rPr lang="cs-CZ" dirty="0" err="1"/>
-              <a:t>looking</a:t>
-            </a:r>
-            <a:r>
-              <a:rPr lang="cs-CZ" dirty="0"/>
-              <a:t> </a:t>
-            </a:r>
-            <a:r>
-              <a:rPr lang="cs-CZ" dirty="0" err="1"/>
-              <a:t>around</a:t>
-            </a:r>
-            <a:r>
-              <a:rPr lang="cs-CZ" dirty="0"/>
-              <a:t>. Kamil </a:t>
-            </a:r>
-            <a:r>
-              <a:rPr lang="cs-CZ" dirty="0" err="1"/>
-              <a:t>is</a:t>
-            </a:r>
-            <a:r>
-              <a:rPr lang="cs-CZ" dirty="0"/>
-              <a:t> </a:t>
-            </a:r>
-            <a:r>
-              <a:rPr lang="cs-CZ" dirty="0" err="1"/>
-              <a:t>responsible</a:t>
-            </a:r>
-            <a:r>
-              <a:rPr lang="cs-CZ" dirty="0"/>
-              <a:t> </a:t>
-            </a:r>
-            <a:r>
-              <a:rPr lang="cs-CZ" dirty="0" err="1"/>
-              <a:t>for</a:t>
-            </a:r>
-            <a:r>
-              <a:rPr lang="cs-CZ" dirty="0"/>
-              <a:t> </a:t>
-            </a:r>
-            <a:r>
-              <a:rPr lang="cs-CZ" dirty="0" err="1"/>
-              <a:t>the</a:t>
-            </a:r>
-            <a:r>
-              <a:rPr lang="cs-CZ" dirty="0"/>
-              <a:t> </a:t>
-            </a:r>
-            <a:r>
-              <a:rPr lang="cs-CZ" dirty="0" err="1"/>
-              <a:t>movement</a:t>
-            </a:r>
-            <a:r>
-              <a:rPr lang="cs-CZ" dirty="0"/>
-              <a:t>, and Petr </a:t>
-            </a:r>
-            <a:r>
-              <a:rPr lang="cs-CZ" dirty="0" err="1"/>
-              <a:t>for</a:t>
-            </a:r>
-            <a:r>
-              <a:rPr lang="cs-CZ" dirty="0"/>
-              <a:t> </a:t>
-            </a:r>
-            <a:r>
-              <a:rPr lang="cs-CZ" dirty="0" err="1"/>
-              <a:t>shooting</a:t>
-            </a:r>
-            <a:r>
-              <a:rPr lang="cs-CZ" dirty="0"/>
-              <a:t>.</a:t>
-            </a:r>
-            <a:r>
-              <a:rPr lang="en-US" dirty="0"/>
-              <a:t> So, together they form a sort of “Human Gamepad”.</a:t>
-            </a:r>
-          </a:p>
-          <a:p>
-            <a:endParaRPr lang="en-US" dirty="0"/>
-          </a:p>
-          <a:p>
-            <a:r>
-              <a:rPr lang="en-US" dirty="0"/>
-              <a:t>Lets see how that works in real life:</a:t>
-            </a:r>
-          </a:p>
-          <a:p>
-            <a:endParaRPr lang="en-US" dirty="0"/>
-          </a:p>
-          <a:p>
-            <a:r>
-              <a:rPr lang="en-US" dirty="0"/>
-              <a:t>Martin here, is tilting his phone too look around</a:t>
-            </a:r>
-          </a:p>
-          <a:p>
-            <a:r>
-              <a:rPr lang="en-US" dirty="0"/>
-              <a:t>Kamil has buttons to move back and forth</a:t>
-            </a:r>
-          </a:p>
-          <a:p>
-            <a:r>
-              <a:rPr lang="en-US" dirty="0"/>
-              <a:t>And Petr has to jump to shoot</a:t>
-            </a:r>
-          </a:p>
-          <a:p>
-            <a:endParaRPr lang="en-US" dirty="0"/>
-          </a:p>
-          <a:p>
-            <a:r>
-              <a:rPr lang="en-US" dirty="0"/>
-              <a:t>(Honestly I think this is funny and we have not yet even started)</a:t>
-            </a:r>
-          </a:p>
-          <a:p>
-            <a:endParaRPr lang="en-US" dirty="0"/>
-          </a:p>
-          <a:p>
-            <a:r>
               <a:rPr lang="en-US" dirty="0"/>
               <a:t>Isn’t it beautiful? We allow you, to have fun in a way you could not imagine before. Thanks to the simple design, you can play almost infinite number of games, and you need only a small Raspberry Pi and your Android phone and if you want to, you can already download the app on Google play, and the Raspberry sources on our GitHub. </a:t>
             </a:r>
@@ -1987,7 +1090,7 @@
     </p:spTree>
     <p:extLst>
       <p:ext uri="{BB962C8B-B14F-4D97-AF65-F5344CB8AC3E}">
-        <p14:creationId xmlns:p14="http://schemas.microsoft.com/office/powerpoint/2010/main" val="3339105242"/>
+        <p14:creationId xmlns:p14="http://schemas.microsoft.com/office/powerpoint/2010/main" val="1384881448"/>
       </p:ext>
     </p:extLst>
   </p:cSld>
@@ -2042,23 +1145,915 @@
           <a:lstStyle/>
           <a:p>
             <a:r>
-              <a:rPr lang="en-IN" dirty="0"/>
-              <a:t>1.)</a:t>
-            </a:r>
-            <a:r>
-              <a:rPr lang="en-IN" baseline="0" dirty="0"/>
-              <a:t> Love playing games with your friends or colleagues?</a:t>
-            </a:r>
-            <a:endParaRPr lang="en-IN" dirty="0"/>
-          </a:p>
-          <a:p>
-            <a:r>
-              <a:rPr lang="en-IN" dirty="0"/>
-              <a:t>3.) Want to try something</a:t>
-            </a:r>
-            <a:r>
-              <a:rPr lang="en-IN" baseline="0" dirty="0"/>
-              <a:t> different?</a:t>
+              <a:rPr lang="cs-CZ" dirty="0" err="1"/>
+              <a:t>Hands</a:t>
+            </a:r>
+            <a:r>
+              <a:rPr lang="cs-CZ" dirty="0"/>
+              <a:t> up </a:t>
+            </a:r>
+            <a:r>
+              <a:rPr lang="cs-CZ" dirty="0" err="1"/>
+              <a:t>who</a:t>
+            </a:r>
+            <a:r>
+              <a:rPr lang="cs-CZ" dirty="0"/>
+              <a:t> </a:t>
+            </a:r>
+            <a:r>
+              <a:rPr lang="cs-CZ" dirty="0" err="1"/>
+              <a:t>plays</a:t>
+            </a:r>
+            <a:r>
+              <a:rPr lang="cs-CZ" dirty="0"/>
+              <a:t> </a:t>
+            </a:r>
+            <a:r>
+              <a:rPr lang="cs-CZ" dirty="0" err="1"/>
+              <a:t>some</a:t>
+            </a:r>
+            <a:r>
+              <a:rPr lang="cs-CZ" dirty="0"/>
+              <a:t> </a:t>
+            </a:r>
+            <a:r>
+              <a:rPr lang="cs-CZ" dirty="0" err="1"/>
+              <a:t>computer</a:t>
+            </a:r>
+            <a:r>
+              <a:rPr lang="cs-CZ" dirty="0"/>
+              <a:t> </a:t>
+            </a:r>
+            <a:r>
+              <a:rPr lang="cs-CZ" dirty="0" err="1"/>
+              <a:t>games</a:t>
+            </a:r>
+            <a:r>
+              <a:rPr lang="cs-CZ" dirty="0"/>
+              <a:t>! (</a:t>
+            </a:r>
+            <a:r>
+              <a:rPr lang="cs-CZ" dirty="0" err="1"/>
+              <a:t>Seems</a:t>
+            </a:r>
+            <a:r>
+              <a:rPr lang="cs-CZ" dirty="0"/>
+              <a:t> </a:t>
+            </a:r>
+            <a:r>
+              <a:rPr lang="cs-CZ" dirty="0" err="1"/>
+              <a:t>you</a:t>
+            </a:r>
+            <a:r>
+              <a:rPr lang="cs-CZ" dirty="0"/>
+              <a:t> are a bit </a:t>
+            </a:r>
+            <a:r>
+              <a:rPr lang="cs-CZ" dirty="0" err="1"/>
+              <a:t>ashamed</a:t>
+            </a:r>
+            <a:r>
+              <a:rPr lang="cs-CZ" dirty="0"/>
+              <a:t> to </a:t>
+            </a:r>
+            <a:r>
+              <a:rPr lang="cs-CZ" dirty="0" err="1"/>
+              <a:t>admit</a:t>
+            </a:r>
+            <a:r>
+              <a:rPr lang="cs-CZ" dirty="0"/>
+              <a:t> </a:t>
+            </a:r>
+            <a:r>
+              <a:rPr lang="cs-CZ" dirty="0" err="1"/>
+              <a:t>that</a:t>
+            </a:r>
+            <a:r>
+              <a:rPr lang="cs-CZ" dirty="0"/>
+              <a:t>, but I </a:t>
+            </a:r>
+            <a:r>
+              <a:rPr lang="cs-CZ" dirty="0" err="1"/>
+              <a:t>would</a:t>
+            </a:r>
+            <a:r>
+              <a:rPr lang="cs-CZ" dirty="0"/>
+              <a:t> </a:t>
+            </a:r>
+            <a:r>
+              <a:rPr lang="cs-CZ" dirty="0" err="1"/>
+              <a:t>assume</a:t>
+            </a:r>
+            <a:r>
+              <a:rPr lang="cs-CZ" dirty="0"/>
+              <a:t> most </a:t>
+            </a:r>
+            <a:r>
+              <a:rPr lang="cs-CZ" dirty="0" err="1"/>
+              <a:t>of</a:t>
+            </a:r>
+            <a:r>
+              <a:rPr lang="cs-CZ" dirty="0"/>
+              <a:t> </a:t>
+            </a:r>
+            <a:r>
+              <a:rPr lang="cs-CZ" dirty="0" err="1"/>
+              <a:t>you</a:t>
+            </a:r>
+            <a:r>
+              <a:rPr lang="cs-CZ" dirty="0"/>
+              <a:t> play).</a:t>
+            </a:r>
+            <a:endParaRPr lang="en-US" dirty="0"/>
+          </a:p>
+          <a:p>
+            <a:endParaRPr lang="en-US" dirty="0"/>
+          </a:p>
+          <a:p>
+            <a:pPr marL="0" marR="0" lvl="0" indent="0" algn="l" defTabSz="914400" rtl="0" eaLnBrk="1" fontAlgn="auto" latinLnBrk="0" hangingPunct="1">
+              <a:lnSpc>
+                <a:spcPct val="100000"/>
+              </a:lnSpc>
+              <a:spcBef>
+                <a:spcPts val="0"/>
+              </a:spcBef>
+              <a:spcAft>
+                <a:spcPts val="0"/>
+              </a:spcAft>
+              <a:buClrTx/>
+              <a:buSzTx/>
+              <a:buFontTx/>
+              <a:buNone/>
+              <a:tabLst/>
+              <a:defRPr/>
+            </a:pPr>
+            <a:r>
+              <a:rPr lang="cs-CZ" dirty="0" err="1"/>
+              <a:t>Well</a:t>
+            </a:r>
+            <a:r>
+              <a:rPr lang="cs-CZ" dirty="0"/>
+              <a:t>, and I </a:t>
+            </a:r>
+            <a:r>
+              <a:rPr lang="cs-CZ" dirty="0" err="1"/>
+              <a:t>am</a:t>
+            </a:r>
+            <a:r>
+              <a:rPr lang="cs-CZ" dirty="0"/>
+              <a:t> </a:t>
+            </a:r>
+            <a:r>
+              <a:rPr lang="cs-CZ" dirty="0" err="1"/>
+              <a:t>pretty</a:t>
+            </a:r>
+            <a:r>
+              <a:rPr lang="cs-CZ" dirty="0"/>
+              <a:t> </a:t>
+            </a:r>
+            <a:r>
+              <a:rPr lang="cs-CZ" dirty="0" err="1"/>
+              <a:t>sure</a:t>
+            </a:r>
+            <a:r>
+              <a:rPr lang="cs-CZ" dirty="0"/>
+              <a:t>, </a:t>
+            </a:r>
+            <a:r>
+              <a:rPr lang="cs-CZ" dirty="0" err="1"/>
+              <a:t>that</a:t>
+            </a:r>
+            <a:r>
+              <a:rPr lang="cs-CZ" dirty="0"/>
+              <a:t> </a:t>
+            </a:r>
+            <a:r>
+              <a:rPr lang="cs-CZ" dirty="0" err="1"/>
+              <a:t>you</a:t>
+            </a:r>
+            <a:r>
+              <a:rPr lang="cs-CZ" dirty="0"/>
+              <a:t> </a:t>
+            </a:r>
+            <a:r>
+              <a:rPr lang="cs-CZ" dirty="0" err="1"/>
+              <a:t>have</a:t>
+            </a:r>
+            <a:r>
+              <a:rPr lang="cs-CZ" dirty="0"/>
+              <a:t> </a:t>
+            </a:r>
+            <a:r>
+              <a:rPr lang="cs-CZ" dirty="0" err="1"/>
+              <a:t>that</a:t>
+            </a:r>
+            <a:r>
+              <a:rPr lang="cs-CZ" dirty="0"/>
+              <a:t> </a:t>
+            </a:r>
+            <a:r>
+              <a:rPr lang="cs-CZ" dirty="0" err="1"/>
+              <a:t>one</a:t>
+            </a:r>
+            <a:r>
+              <a:rPr lang="cs-CZ" dirty="0"/>
+              <a:t> game, </a:t>
+            </a:r>
+            <a:r>
+              <a:rPr lang="cs-CZ" dirty="0" err="1"/>
+              <a:t>you</a:t>
+            </a:r>
+            <a:r>
+              <a:rPr lang="cs-CZ" dirty="0"/>
+              <a:t> </a:t>
+            </a:r>
+            <a:r>
+              <a:rPr lang="cs-CZ" dirty="0" err="1"/>
+              <a:t>played</a:t>
+            </a:r>
+            <a:r>
+              <a:rPr lang="cs-CZ" dirty="0"/>
+              <a:t> </a:t>
+            </a:r>
+            <a:r>
+              <a:rPr lang="cs-CZ" dirty="0" err="1"/>
+              <a:t>when</a:t>
+            </a:r>
+            <a:r>
+              <a:rPr lang="cs-CZ" dirty="0"/>
+              <a:t> </a:t>
+            </a:r>
+            <a:r>
+              <a:rPr lang="cs-CZ" dirty="0" err="1"/>
+              <a:t>you</a:t>
+            </a:r>
+            <a:r>
+              <a:rPr lang="cs-CZ" dirty="0"/>
+              <a:t> </a:t>
+            </a:r>
+            <a:r>
+              <a:rPr lang="cs-CZ" dirty="0" err="1"/>
+              <a:t>were</a:t>
+            </a:r>
+            <a:r>
+              <a:rPr lang="cs-CZ" dirty="0"/>
+              <a:t> </a:t>
+            </a:r>
+            <a:r>
+              <a:rPr lang="cs-CZ" dirty="0" err="1"/>
+              <a:t>children</a:t>
+            </a:r>
+            <a:r>
+              <a:rPr lang="cs-CZ" dirty="0"/>
+              <a:t>. </a:t>
+            </a:r>
+            <a:r>
+              <a:rPr lang="cs-CZ" dirty="0" err="1"/>
+              <a:t>Duke</a:t>
+            </a:r>
+            <a:r>
+              <a:rPr lang="cs-CZ" dirty="0"/>
+              <a:t> </a:t>
+            </a:r>
+            <a:r>
+              <a:rPr lang="cs-CZ" dirty="0" err="1"/>
+              <a:t>Nukem</a:t>
+            </a:r>
+            <a:r>
+              <a:rPr lang="cs-CZ" dirty="0"/>
+              <a:t> 3D? </a:t>
+            </a:r>
+            <a:r>
+              <a:rPr lang="cs-CZ" dirty="0" err="1"/>
+              <a:t>Wolfenstein</a:t>
+            </a:r>
+            <a:r>
+              <a:rPr lang="cs-CZ" dirty="0"/>
+              <a:t>? </a:t>
+            </a:r>
+            <a:r>
+              <a:rPr lang="cs-CZ" dirty="0" err="1"/>
+              <a:t>Need</a:t>
+            </a:r>
+            <a:r>
+              <a:rPr lang="cs-CZ" dirty="0"/>
+              <a:t> </a:t>
+            </a:r>
+            <a:r>
+              <a:rPr lang="cs-CZ" dirty="0" err="1"/>
+              <a:t>for</a:t>
+            </a:r>
+            <a:r>
+              <a:rPr lang="cs-CZ" dirty="0"/>
+              <a:t> Speed </a:t>
+            </a:r>
+            <a:r>
+              <a:rPr lang="cs-CZ" dirty="0" err="1"/>
+              <a:t>Undergroung</a:t>
+            </a:r>
+            <a:r>
+              <a:rPr lang="cs-CZ" dirty="0"/>
+              <a:t> are mine </a:t>
+            </a:r>
+            <a:r>
+              <a:rPr lang="cs-CZ" dirty="0" err="1"/>
+              <a:t>for</a:t>
+            </a:r>
+            <a:r>
+              <a:rPr lang="cs-CZ" dirty="0"/>
+              <a:t> instance. And </a:t>
+            </a:r>
+            <a:r>
+              <a:rPr lang="cs-CZ" dirty="0" err="1"/>
+              <a:t>those</a:t>
+            </a:r>
+            <a:r>
+              <a:rPr lang="cs-CZ" dirty="0"/>
+              <a:t> </a:t>
+            </a:r>
+            <a:r>
+              <a:rPr lang="cs-CZ" dirty="0" err="1"/>
+              <a:t>games</a:t>
+            </a:r>
+            <a:r>
+              <a:rPr lang="cs-CZ" dirty="0"/>
+              <a:t> </a:t>
+            </a:r>
+            <a:r>
+              <a:rPr lang="cs-CZ" dirty="0" err="1"/>
+              <a:t>were</a:t>
+            </a:r>
+            <a:r>
+              <a:rPr lang="cs-CZ" dirty="0"/>
+              <a:t> a lot </a:t>
+            </a:r>
+            <a:r>
+              <a:rPr lang="cs-CZ" dirty="0" err="1"/>
+              <a:t>of</a:t>
+            </a:r>
+            <a:r>
+              <a:rPr lang="cs-CZ" dirty="0"/>
+              <a:t> </a:t>
+            </a:r>
+            <a:r>
+              <a:rPr lang="cs-CZ" dirty="0" err="1"/>
+              <a:t>fun</a:t>
+            </a:r>
+            <a:r>
+              <a:rPr lang="cs-CZ" dirty="0"/>
+              <a:t>, but Do I play </a:t>
+            </a:r>
+            <a:r>
+              <a:rPr lang="cs-CZ" dirty="0" err="1"/>
+              <a:t>them</a:t>
+            </a:r>
+            <a:r>
+              <a:rPr lang="cs-CZ" dirty="0"/>
+              <a:t> </a:t>
+            </a:r>
+            <a:r>
+              <a:rPr lang="cs-CZ" dirty="0" err="1"/>
+              <a:t>today</a:t>
+            </a:r>
+            <a:r>
+              <a:rPr lang="cs-CZ" dirty="0"/>
+              <a:t>? Not </a:t>
+            </a:r>
+            <a:r>
+              <a:rPr lang="cs-CZ" dirty="0" err="1"/>
+              <a:t>anymore</a:t>
+            </a:r>
+            <a:r>
+              <a:rPr lang="cs-CZ" dirty="0"/>
+              <a:t>. I </a:t>
+            </a:r>
+            <a:r>
+              <a:rPr lang="cs-CZ" dirty="0" err="1"/>
+              <a:t>played</a:t>
+            </a:r>
+            <a:r>
+              <a:rPr lang="cs-CZ" dirty="0"/>
+              <a:t> </a:t>
+            </a:r>
+            <a:r>
+              <a:rPr lang="cs-CZ" dirty="0" err="1"/>
+              <a:t>them</a:t>
+            </a:r>
+            <a:r>
+              <a:rPr lang="cs-CZ" dirty="0"/>
+              <a:t> </a:t>
+            </a:r>
+            <a:r>
+              <a:rPr lang="cs-CZ" dirty="0" err="1"/>
+              <a:t>for</a:t>
+            </a:r>
+            <a:r>
+              <a:rPr lang="cs-CZ" dirty="0"/>
+              <a:t> so long </a:t>
+            </a:r>
+            <a:r>
+              <a:rPr lang="cs-CZ" dirty="0" err="1"/>
+              <a:t>that</a:t>
+            </a:r>
+            <a:r>
+              <a:rPr lang="cs-CZ" dirty="0"/>
+              <a:t> – </a:t>
+            </a:r>
+            <a:r>
+              <a:rPr lang="cs-CZ" dirty="0" err="1"/>
+              <a:t>well</a:t>
+            </a:r>
+            <a:r>
+              <a:rPr lang="cs-CZ" dirty="0"/>
+              <a:t> – </a:t>
+            </a:r>
+            <a:r>
+              <a:rPr lang="cs-CZ" dirty="0" err="1"/>
+              <a:t>the</a:t>
+            </a:r>
+            <a:r>
+              <a:rPr lang="cs-CZ" dirty="0"/>
+              <a:t> </a:t>
+            </a:r>
+            <a:r>
+              <a:rPr lang="cs-CZ" dirty="0" err="1"/>
+              <a:t>fun</a:t>
+            </a:r>
+            <a:r>
+              <a:rPr lang="cs-CZ" dirty="0"/>
+              <a:t> </a:t>
+            </a:r>
+            <a:r>
+              <a:rPr lang="cs-CZ" dirty="0" err="1"/>
+              <a:t>is</a:t>
+            </a:r>
+            <a:r>
+              <a:rPr lang="cs-CZ" dirty="0"/>
+              <a:t> </a:t>
+            </a:r>
+            <a:r>
+              <a:rPr lang="cs-CZ" dirty="0" err="1"/>
+              <a:t>gone</a:t>
+            </a:r>
+            <a:r>
+              <a:rPr lang="cs-CZ" dirty="0"/>
+              <a:t>, </a:t>
+            </a:r>
+            <a:r>
+              <a:rPr lang="cs-CZ" dirty="0" err="1"/>
+              <a:t>they</a:t>
+            </a:r>
+            <a:r>
+              <a:rPr lang="cs-CZ" dirty="0"/>
+              <a:t> are </a:t>
+            </a:r>
+            <a:r>
+              <a:rPr lang="cs-CZ" dirty="0" err="1"/>
+              <a:t>way</a:t>
+            </a:r>
+            <a:r>
+              <a:rPr lang="cs-CZ" dirty="0"/>
+              <a:t> </a:t>
+            </a:r>
+            <a:r>
+              <a:rPr lang="cs-CZ" dirty="0" err="1"/>
+              <a:t>too</a:t>
+            </a:r>
+            <a:r>
+              <a:rPr lang="cs-CZ" dirty="0"/>
+              <a:t> </a:t>
+            </a:r>
+            <a:r>
+              <a:rPr lang="cs-CZ" dirty="0" err="1"/>
+              <a:t>familiar</a:t>
+            </a:r>
+            <a:r>
+              <a:rPr lang="cs-CZ" dirty="0"/>
+              <a:t>.</a:t>
+            </a:r>
+          </a:p>
+          <a:p>
+            <a:endParaRPr lang="cs-CZ" dirty="0"/>
+          </a:p>
+          <a:p>
+            <a:r>
+              <a:rPr lang="cs-CZ" dirty="0"/>
+              <a:t>But </a:t>
+            </a:r>
+            <a:r>
+              <a:rPr lang="cs-CZ" dirty="0" err="1"/>
+              <a:t>What</a:t>
+            </a:r>
+            <a:r>
+              <a:rPr lang="cs-CZ" dirty="0"/>
+              <a:t> </a:t>
+            </a:r>
+            <a:r>
+              <a:rPr lang="cs-CZ" dirty="0" err="1"/>
+              <a:t>if</a:t>
+            </a:r>
+            <a:r>
+              <a:rPr lang="cs-CZ" dirty="0"/>
+              <a:t> I </a:t>
+            </a:r>
+            <a:r>
+              <a:rPr lang="cs-CZ" dirty="0" err="1"/>
+              <a:t>told</a:t>
+            </a:r>
+            <a:r>
+              <a:rPr lang="cs-CZ" dirty="0"/>
+              <a:t> </a:t>
+            </a:r>
+            <a:r>
+              <a:rPr lang="cs-CZ" dirty="0" err="1"/>
+              <a:t>you</a:t>
+            </a:r>
+            <a:r>
+              <a:rPr lang="cs-CZ" dirty="0"/>
+              <a:t> </a:t>
+            </a:r>
+            <a:r>
+              <a:rPr lang="cs-CZ" dirty="0" err="1"/>
+              <a:t>there</a:t>
+            </a:r>
+            <a:r>
+              <a:rPr lang="cs-CZ" dirty="0"/>
+              <a:t> </a:t>
+            </a:r>
+            <a:r>
+              <a:rPr lang="cs-CZ" dirty="0" err="1"/>
+              <a:t>is</a:t>
+            </a:r>
+            <a:r>
+              <a:rPr lang="cs-CZ" dirty="0"/>
+              <a:t> a </a:t>
+            </a:r>
+            <a:r>
+              <a:rPr lang="cs-CZ" dirty="0" err="1"/>
+              <a:t>way</a:t>
+            </a:r>
+            <a:r>
+              <a:rPr lang="cs-CZ" dirty="0"/>
+              <a:t> to </a:t>
+            </a:r>
+            <a:r>
+              <a:rPr lang="cs-CZ" dirty="0" err="1"/>
+              <a:t>enjoy</a:t>
+            </a:r>
+            <a:r>
+              <a:rPr lang="cs-CZ" dirty="0"/>
+              <a:t> </a:t>
+            </a:r>
+            <a:r>
+              <a:rPr lang="cs-CZ" dirty="0" err="1"/>
+              <a:t>the</a:t>
+            </a:r>
+            <a:r>
+              <a:rPr lang="cs-CZ" dirty="0"/>
+              <a:t> </a:t>
+            </a:r>
+            <a:r>
+              <a:rPr lang="cs-CZ" dirty="0" err="1"/>
+              <a:t>games</a:t>
+            </a:r>
+            <a:r>
+              <a:rPr lang="cs-CZ" dirty="0"/>
+              <a:t> </a:t>
+            </a:r>
+            <a:r>
+              <a:rPr lang="cs-CZ" dirty="0" err="1"/>
+              <a:t>once</a:t>
+            </a:r>
+            <a:r>
+              <a:rPr lang="cs-CZ" dirty="0"/>
+              <a:t> </a:t>
+            </a:r>
+            <a:r>
+              <a:rPr lang="cs-CZ" dirty="0" err="1"/>
+              <a:t>again</a:t>
+            </a:r>
+            <a:r>
+              <a:rPr lang="cs-CZ" dirty="0"/>
+              <a:t>. To </a:t>
+            </a:r>
+            <a:r>
+              <a:rPr lang="cs-CZ" dirty="0" err="1"/>
+              <a:t>share</a:t>
+            </a:r>
+            <a:r>
+              <a:rPr lang="cs-CZ" dirty="0"/>
+              <a:t> </a:t>
+            </a:r>
+            <a:r>
+              <a:rPr lang="cs-CZ" dirty="0" err="1"/>
+              <a:t>that</a:t>
+            </a:r>
+            <a:r>
+              <a:rPr lang="cs-CZ" dirty="0"/>
+              <a:t> </a:t>
+            </a:r>
+            <a:r>
+              <a:rPr lang="cs-CZ" dirty="0" err="1"/>
+              <a:t>joy</a:t>
+            </a:r>
+            <a:r>
+              <a:rPr lang="cs-CZ" dirty="0"/>
+              <a:t> </a:t>
+            </a:r>
+            <a:r>
+              <a:rPr lang="cs-CZ" dirty="0" err="1"/>
+              <a:t>with</a:t>
+            </a:r>
+            <a:r>
+              <a:rPr lang="cs-CZ" dirty="0"/>
+              <a:t> </a:t>
+            </a:r>
+            <a:r>
+              <a:rPr lang="cs-CZ" dirty="0" err="1"/>
+              <a:t>your</a:t>
+            </a:r>
+            <a:r>
+              <a:rPr lang="cs-CZ" dirty="0"/>
+              <a:t> </a:t>
+            </a:r>
+            <a:r>
+              <a:rPr lang="cs-CZ" dirty="0" err="1"/>
+              <a:t>friends</a:t>
+            </a:r>
+            <a:r>
+              <a:rPr lang="cs-CZ" dirty="0"/>
+              <a:t>, and to make </a:t>
+            </a:r>
+            <a:r>
+              <a:rPr lang="cs-CZ" dirty="0" err="1"/>
+              <a:t>virtually</a:t>
+            </a:r>
+            <a:r>
+              <a:rPr lang="cs-CZ" dirty="0"/>
+              <a:t> any game a multiplayer </a:t>
+            </a:r>
+            <a:r>
+              <a:rPr lang="cs-CZ" dirty="0" err="1"/>
+              <a:t>cooperative</a:t>
+            </a:r>
+            <a:r>
+              <a:rPr lang="cs-CZ" dirty="0"/>
+              <a:t> party game. Let</a:t>
+            </a:r>
+            <a:r>
+              <a:rPr lang="en-US" dirty="0"/>
+              <a:t>’s see how it works.</a:t>
+            </a:r>
+            <a:endParaRPr lang="cs-CZ" dirty="0"/>
+          </a:p>
+          <a:p>
+            <a:endParaRPr lang="cs-CZ" dirty="0"/>
+          </a:p>
+          <a:p>
+            <a:r>
+              <a:rPr lang="cs-CZ" dirty="0" err="1"/>
+              <a:t>The</a:t>
+            </a:r>
+            <a:r>
+              <a:rPr lang="cs-CZ" dirty="0"/>
+              <a:t> idea </a:t>
+            </a:r>
+            <a:r>
+              <a:rPr lang="cs-CZ" dirty="0" err="1"/>
+              <a:t>is</a:t>
+            </a:r>
+            <a:r>
+              <a:rPr lang="cs-CZ" dirty="0"/>
+              <a:t> </a:t>
+            </a:r>
+            <a:r>
+              <a:rPr lang="cs-CZ" dirty="0" err="1"/>
+              <a:t>pretty</a:t>
+            </a:r>
+            <a:r>
+              <a:rPr lang="cs-CZ" dirty="0"/>
+              <a:t> </a:t>
+            </a:r>
+            <a:r>
+              <a:rPr lang="cs-CZ" dirty="0" err="1"/>
+              <a:t>simple</a:t>
+            </a:r>
+            <a:r>
+              <a:rPr lang="cs-CZ" dirty="0"/>
+              <a:t>. </a:t>
+            </a:r>
+            <a:r>
+              <a:rPr lang="en-US" dirty="0"/>
+              <a:t>Each of the players is responsible only for fraction of the controls, they have to cooperate and talk to each other to be successful. </a:t>
+            </a:r>
+            <a:r>
+              <a:rPr lang="cs-CZ" dirty="0" err="1"/>
+              <a:t>Say</a:t>
+            </a:r>
+            <a:r>
+              <a:rPr lang="cs-CZ" dirty="0"/>
+              <a:t>, Martin, Kamil and Petr </a:t>
+            </a:r>
+            <a:r>
+              <a:rPr lang="cs-CZ" dirty="0" err="1"/>
+              <a:t>meet</a:t>
+            </a:r>
+            <a:r>
+              <a:rPr lang="cs-CZ" dirty="0"/>
+              <a:t> on a party and </a:t>
+            </a:r>
+            <a:r>
+              <a:rPr lang="cs-CZ" dirty="0" err="1"/>
+              <a:t>would</a:t>
+            </a:r>
+            <a:r>
+              <a:rPr lang="cs-CZ" dirty="0"/>
+              <a:t> love to play </a:t>
+            </a:r>
+            <a:r>
+              <a:rPr lang="cs-CZ" dirty="0" err="1"/>
+              <a:t>Doom</a:t>
+            </a:r>
+            <a:r>
+              <a:rPr lang="cs-CZ" dirty="0"/>
+              <a:t>, </a:t>
+            </a:r>
+            <a:r>
+              <a:rPr lang="cs-CZ" dirty="0" err="1"/>
+              <a:t>together</a:t>
+            </a:r>
+            <a:r>
+              <a:rPr lang="cs-CZ" dirty="0"/>
+              <a:t>. </a:t>
+            </a:r>
+            <a:r>
+              <a:rPr lang="en-US" dirty="0"/>
+              <a:t>So with our app, they can share the control of the main character in a way, that Martin </a:t>
+            </a:r>
+            <a:r>
+              <a:rPr lang="cs-CZ" dirty="0" err="1"/>
+              <a:t>here</a:t>
+            </a:r>
+            <a:r>
+              <a:rPr lang="cs-CZ" dirty="0"/>
+              <a:t> </a:t>
+            </a:r>
+            <a:r>
+              <a:rPr lang="cs-CZ" dirty="0" err="1"/>
+              <a:t>is</a:t>
+            </a:r>
+            <a:r>
+              <a:rPr lang="cs-CZ" dirty="0"/>
+              <a:t> </a:t>
+            </a:r>
+            <a:r>
+              <a:rPr lang="cs-CZ" dirty="0" err="1"/>
+              <a:t>responsible</a:t>
+            </a:r>
+            <a:r>
+              <a:rPr lang="cs-CZ" dirty="0"/>
+              <a:t> </a:t>
+            </a:r>
+            <a:r>
+              <a:rPr lang="cs-CZ" dirty="0" err="1"/>
+              <a:t>for</a:t>
+            </a:r>
+            <a:r>
+              <a:rPr lang="cs-CZ" dirty="0"/>
+              <a:t> </a:t>
+            </a:r>
+            <a:r>
+              <a:rPr lang="cs-CZ" dirty="0" err="1"/>
+              <a:t>looking</a:t>
+            </a:r>
+            <a:r>
+              <a:rPr lang="cs-CZ" dirty="0"/>
+              <a:t> </a:t>
+            </a:r>
+            <a:r>
+              <a:rPr lang="cs-CZ" dirty="0" err="1"/>
+              <a:t>around</a:t>
+            </a:r>
+            <a:r>
+              <a:rPr lang="cs-CZ" dirty="0"/>
+              <a:t>. Kamil </a:t>
+            </a:r>
+            <a:r>
+              <a:rPr lang="cs-CZ" dirty="0" err="1"/>
+              <a:t>is</a:t>
+            </a:r>
+            <a:r>
+              <a:rPr lang="cs-CZ" dirty="0"/>
+              <a:t> </a:t>
+            </a:r>
+            <a:r>
+              <a:rPr lang="cs-CZ" dirty="0" err="1"/>
+              <a:t>responsible</a:t>
+            </a:r>
+            <a:r>
+              <a:rPr lang="cs-CZ" dirty="0"/>
+              <a:t> </a:t>
+            </a:r>
+            <a:r>
+              <a:rPr lang="cs-CZ" dirty="0" err="1"/>
+              <a:t>for</a:t>
+            </a:r>
+            <a:r>
+              <a:rPr lang="cs-CZ" dirty="0"/>
+              <a:t> </a:t>
+            </a:r>
+            <a:r>
+              <a:rPr lang="cs-CZ" dirty="0" err="1"/>
+              <a:t>the</a:t>
+            </a:r>
+            <a:r>
+              <a:rPr lang="cs-CZ" dirty="0"/>
+              <a:t> </a:t>
+            </a:r>
+            <a:r>
+              <a:rPr lang="cs-CZ" dirty="0" err="1"/>
+              <a:t>movement</a:t>
+            </a:r>
+            <a:r>
+              <a:rPr lang="cs-CZ" dirty="0"/>
+              <a:t>, and Petr </a:t>
+            </a:r>
+            <a:r>
+              <a:rPr lang="cs-CZ" dirty="0" err="1"/>
+              <a:t>for</a:t>
+            </a:r>
+            <a:r>
+              <a:rPr lang="cs-CZ" dirty="0"/>
+              <a:t> </a:t>
+            </a:r>
+            <a:r>
+              <a:rPr lang="cs-CZ" dirty="0" err="1"/>
+              <a:t>shooting</a:t>
+            </a:r>
+            <a:r>
+              <a:rPr lang="cs-CZ" dirty="0"/>
+              <a:t>.</a:t>
+            </a:r>
+            <a:r>
+              <a:rPr lang="en-US" dirty="0"/>
+              <a:t> So, together they form a sort of “Human Gamepad”.</a:t>
+            </a:r>
+          </a:p>
+          <a:p>
+            <a:endParaRPr lang="en-US" dirty="0"/>
+          </a:p>
+          <a:p>
+            <a:r>
+              <a:rPr lang="en-US" dirty="0"/>
+              <a:t>Lets see how that works in real life:</a:t>
+            </a:r>
+          </a:p>
+          <a:p>
+            <a:endParaRPr lang="en-US" dirty="0"/>
+          </a:p>
+          <a:p>
+            <a:r>
+              <a:rPr lang="en-US" dirty="0"/>
+              <a:t>Martin here, is tilting his phone too look around</a:t>
+            </a:r>
+          </a:p>
+          <a:p>
+            <a:r>
+              <a:rPr lang="en-US" dirty="0"/>
+              <a:t>Kamil has buttons to move back and forth</a:t>
+            </a:r>
+          </a:p>
+          <a:p>
+            <a:r>
+              <a:rPr lang="en-US" dirty="0"/>
+              <a:t>And Petr has to jump to shoot</a:t>
+            </a:r>
+          </a:p>
+          <a:p>
+            <a:endParaRPr lang="en-US" dirty="0"/>
+          </a:p>
+          <a:p>
+            <a:r>
+              <a:rPr lang="en-US" dirty="0"/>
+              <a:t>(Honestly I think this is funny and we have not yet even started)</a:t>
+            </a:r>
+          </a:p>
+          <a:p>
+            <a:endParaRPr lang="en-US" dirty="0"/>
+          </a:p>
+          <a:p>
+            <a:r>
+              <a:rPr lang="en-US" dirty="0"/>
+              <a:t>Isn’t it beautiful? We allow you, to have fun in a way you could not imagine before. Thanks to the simple design, you can play almost infinite number of games, and you need only a small Raspberry Pi and your Android phone and if you want to, you can already download the app on Google play, and the Raspberry sources on our GitHub. </a:t>
+            </a:r>
+          </a:p>
+          <a:p>
+            <a:endParaRPr lang="en-US" dirty="0"/>
+          </a:p>
+          <a:p>
+            <a:r>
+              <a:rPr lang="en-US" dirty="0"/>
+              <a:t>And for the future versions of our app? In theory we an get rid of the Raspberry Pi completely, we can add more sensors, we can add “crazy mode” which changes the controls for the players after every 30 seconds or so, and we would like to add support for multiple teams competing against each other. The possibilities are infinite and are just around the corner.</a:t>
             </a:r>
             <a:endParaRPr lang="en-IN" dirty="0"/>
           </a:p>
@@ -2090,7 +2085,7 @@
     </p:spTree>
     <p:extLst>
       <p:ext uri="{BB962C8B-B14F-4D97-AF65-F5344CB8AC3E}">
-        <p14:creationId xmlns:p14="http://schemas.microsoft.com/office/powerpoint/2010/main" val="2934405426"/>
+        <p14:creationId xmlns:p14="http://schemas.microsoft.com/office/powerpoint/2010/main" val="3339105242"/>
       </p:ext>
     </p:extLst>
   </p:cSld>
@@ -2146,10 +2141,23 @@
           <a:p>
             <a:r>
               <a:rPr lang="en-IN" dirty="0"/>
-              <a:t>https://pixabay.com/en/computer-keyboard-apple-laptop-2563737/</a:t>
-            </a:r>
-          </a:p>
-          <a:p>
+              <a:t>1.)</a:t>
+            </a:r>
+            <a:r>
+              <a:rPr lang="en-IN" baseline="0" dirty="0"/>
+              <a:t> Love playing games with your friends or colleagues?</a:t>
+            </a:r>
+            <a:endParaRPr lang="en-IN" dirty="0"/>
+          </a:p>
+          <a:p>
+            <a:r>
+              <a:rPr lang="en-IN" dirty="0"/>
+              <a:t>3.) Want to try something</a:t>
+            </a:r>
+            <a:r>
+              <a:rPr lang="en-IN" baseline="0" dirty="0"/>
+              <a:t> different?</a:t>
+            </a:r>
             <a:endParaRPr lang="en-IN" dirty="0"/>
           </a:p>
         </p:txBody>
@@ -2172,6 +2180,96 @@
             <a:fld id="{BA63730B-371C-43D4-82CD-5025C5B32243}" type="slidenum">
               <a:rPr lang="en-IN" smtClean="0"/>
               <a:t>12</a:t>
+            </a:fld>
+            <a:endParaRPr lang="en-IN"/>
+          </a:p>
+        </p:txBody>
+      </p:sp>
+    </p:spTree>
+    <p:extLst>
+      <p:ext uri="{BB962C8B-B14F-4D97-AF65-F5344CB8AC3E}">
+        <p14:creationId xmlns:p14="http://schemas.microsoft.com/office/powerpoint/2010/main" val="2934405426"/>
+      </p:ext>
+    </p:extLst>
+  </p:cSld>
+  <p:clrMapOvr>
+    <a:masterClrMapping/>
+  </p:clrMapOvr>
+</p:notes>
+</file>
+
+<file path=ppt/notesSlides/notesSlide13.xml><?xml version="1.0" encoding="utf-8"?>
+<p:notes xmlns:a="http://schemas.openxmlformats.org/drawingml/2006/main" xmlns:r="http://schemas.openxmlformats.org/officeDocument/2006/relationships" xmlns:p="http://schemas.openxmlformats.org/presentationml/2006/main">
+  <p:cSld>
+    <p:spTree>
+      <p:nvGrpSpPr>
+        <p:cNvPr id="1" name=""/>
+        <p:cNvGrpSpPr/>
+        <p:nvPr/>
+      </p:nvGrpSpPr>
+      <p:grpSpPr>
+        <a:xfrm>
+          <a:off x="0" y="0"/>
+          <a:ext cx="0" cy="0"/>
+          <a:chOff x="0" y="0"/>
+          <a:chExt cx="0" cy="0"/>
+        </a:xfrm>
+      </p:grpSpPr>
+      <p:sp>
+        <p:nvSpPr>
+          <p:cNvPr id="2" name="Slide Image Placeholder 1"/>
+          <p:cNvSpPr>
+            <a:spLocks noGrp="1" noRot="1" noChangeAspect="1"/>
+          </p:cNvSpPr>
+          <p:nvPr>
+            <p:ph type="sldImg"/>
+          </p:nvPr>
+        </p:nvSpPr>
+        <p:spPr/>
+      </p:sp>
+      <p:sp>
+        <p:nvSpPr>
+          <p:cNvPr id="3" name="Notes Placeholder 2"/>
+          <p:cNvSpPr>
+            <a:spLocks noGrp="1"/>
+          </p:cNvSpPr>
+          <p:nvPr>
+            <p:ph type="body" idx="1"/>
+          </p:nvPr>
+        </p:nvSpPr>
+        <p:spPr/>
+        <p:txBody>
+          <a:bodyPr/>
+          <a:lstStyle/>
+          <a:p>
+            <a:r>
+              <a:rPr lang="en-IN" dirty="0"/>
+              <a:t>https://pixabay.com/en/computer-keyboard-apple-laptop-2563737/</a:t>
+            </a:r>
+          </a:p>
+          <a:p>
+            <a:endParaRPr lang="en-IN" dirty="0"/>
+          </a:p>
+        </p:txBody>
+      </p:sp>
+      <p:sp>
+        <p:nvSpPr>
+          <p:cNvPr id="4" name="Slide Number Placeholder 3"/>
+          <p:cNvSpPr>
+            <a:spLocks noGrp="1"/>
+          </p:cNvSpPr>
+          <p:nvPr>
+            <p:ph type="sldNum" sz="quarter" idx="5"/>
+          </p:nvPr>
+        </p:nvSpPr>
+        <p:spPr/>
+        <p:txBody>
+          <a:bodyPr/>
+          <a:lstStyle/>
+          <a:p>
+            <a:fld id="{BA63730B-371C-43D4-82CD-5025C5B32243}" type="slidenum">
+              <a:rPr lang="en-IN" smtClean="0"/>
+              <a:t>13</a:t>
             </a:fld>
             <a:endParaRPr lang="en-IN"/>
           </a:p>
@@ -3583,6 +3681,865 @@
           <a:lstStyle/>
           <a:p>
             <a:r>
+              <a:rPr lang="cs-CZ" dirty="0" err="1"/>
+              <a:t>Hands</a:t>
+            </a:r>
+            <a:r>
+              <a:rPr lang="cs-CZ" dirty="0"/>
+              <a:t> up </a:t>
+            </a:r>
+            <a:r>
+              <a:rPr lang="cs-CZ" dirty="0" err="1"/>
+              <a:t>who</a:t>
+            </a:r>
+            <a:r>
+              <a:rPr lang="cs-CZ" dirty="0"/>
+              <a:t> </a:t>
+            </a:r>
+            <a:r>
+              <a:rPr lang="cs-CZ" dirty="0" err="1"/>
+              <a:t>plays</a:t>
+            </a:r>
+            <a:r>
+              <a:rPr lang="cs-CZ" dirty="0"/>
+              <a:t> </a:t>
+            </a:r>
+            <a:r>
+              <a:rPr lang="cs-CZ" dirty="0" err="1"/>
+              <a:t>some</a:t>
+            </a:r>
+            <a:r>
+              <a:rPr lang="cs-CZ" dirty="0"/>
+              <a:t> </a:t>
+            </a:r>
+            <a:r>
+              <a:rPr lang="cs-CZ" dirty="0" err="1"/>
+              <a:t>computer</a:t>
+            </a:r>
+            <a:r>
+              <a:rPr lang="cs-CZ" dirty="0"/>
+              <a:t> </a:t>
+            </a:r>
+            <a:r>
+              <a:rPr lang="cs-CZ" dirty="0" err="1"/>
+              <a:t>games</a:t>
+            </a:r>
+            <a:r>
+              <a:rPr lang="cs-CZ" dirty="0"/>
+              <a:t>! (</a:t>
+            </a:r>
+            <a:r>
+              <a:rPr lang="cs-CZ" dirty="0" err="1"/>
+              <a:t>Seems</a:t>
+            </a:r>
+            <a:r>
+              <a:rPr lang="cs-CZ" dirty="0"/>
+              <a:t> </a:t>
+            </a:r>
+            <a:r>
+              <a:rPr lang="cs-CZ" dirty="0" err="1"/>
+              <a:t>you</a:t>
+            </a:r>
+            <a:r>
+              <a:rPr lang="cs-CZ" dirty="0"/>
+              <a:t> are a bit </a:t>
+            </a:r>
+            <a:r>
+              <a:rPr lang="cs-CZ" dirty="0" err="1"/>
+              <a:t>ashamed</a:t>
+            </a:r>
+            <a:r>
+              <a:rPr lang="cs-CZ" dirty="0"/>
+              <a:t> to </a:t>
+            </a:r>
+            <a:r>
+              <a:rPr lang="cs-CZ" dirty="0" err="1"/>
+              <a:t>admit</a:t>
+            </a:r>
+            <a:r>
+              <a:rPr lang="cs-CZ" dirty="0"/>
+              <a:t> </a:t>
+            </a:r>
+            <a:r>
+              <a:rPr lang="cs-CZ" dirty="0" err="1"/>
+              <a:t>that</a:t>
+            </a:r>
+            <a:r>
+              <a:rPr lang="cs-CZ" dirty="0"/>
+              <a:t>, but I </a:t>
+            </a:r>
+            <a:r>
+              <a:rPr lang="cs-CZ" dirty="0" err="1"/>
+              <a:t>would</a:t>
+            </a:r>
+            <a:r>
+              <a:rPr lang="cs-CZ" dirty="0"/>
+              <a:t> </a:t>
+            </a:r>
+            <a:r>
+              <a:rPr lang="cs-CZ" dirty="0" err="1"/>
+              <a:t>assume</a:t>
+            </a:r>
+            <a:r>
+              <a:rPr lang="cs-CZ" dirty="0"/>
+              <a:t> most </a:t>
+            </a:r>
+            <a:r>
+              <a:rPr lang="cs-CZ" dirty="0" err="1"/>
+              <a:t>of</a:t>
+            </a:r>
+            <a:r>
+              <a:rPr lang="cs-CZ" dirty="0"/>
+              <a:t> </a:t>
+            </a:r>
+            <a:r>
+              <a:rPr lang="cs-CZ" dirty="0" err="1"/>
+              <a:t>you</a:t>
+            </a:r>
+            <a:r>
+              <a:rPr lang="cs-CZ" dirty="0"/>
+              <a:t> play).</a:t>
+            </a:r>
+            <a:endParaRPr lang="en-US" dirty="0"/>
+          </a:p>
+          <a:p>
+            <a:endParaRPr lang="en-US" dirty="0"/>
+          </a:p>
+          <a:p>
+            <a:pPr marL="0" marR="0" lvl="0" indent="0" algn="l" defTabSz="914400" rtl="0" eaLnBrk="1" fontAlgn="auto" latinLnBrk="0" hangingPunct="1">
+              <a:lnSpc>
+                <a:spcPct val="100000"/>
+              </a:lnSpc>
+              <a:spcBef>
+                <a:spcPts val="0"/>
+              </a:spcBef>
+              <a:spcAft>
+                <a:spcPts val="0"/>
+              </a:spcAft>
+              <a:buClrTx/>
+              <a:buSzTx/>
+              <a:buFontTx/>
+              <a:buNone/>
+              <a:tabLst/>
+              <a:defRPr/>
+            </a:pPr>
+            <a:r>
+              <a:rPr lang="cs-CZ" dirty="0" err="1"/>
+              <a:t>Well</a:t>
+            </a:r>
+            <a:r>
+              <a:rPr lang="cs-CZ" dirty="0"/>
+              <a:t>, and I </a:t>
+            </a:r>
+            <a:r>
+              <a:rPr lang="cs-CZ" dirty="0" err="1"/>
+              <a:t>am</a:t>
+            </a:r>
+            <a:r>
+              <a:rPr lang="cs-CZ" dirty="0"/>
+              <a:t> </a:t>
+            </a:r>
+            <a:r>
+              <a:rPr lang="cs-CZ" dirty="0" err="1"/>
+              <a:t>pretty</a:t>
+            </a:r>
+            <a:r>
+              <a:rPr lang="cs-CZ" dirty="0"/>
+              <a:t> </a:t>
+            </a:r>
+            <a:r>
+              <a:rPr lang="cs-CZ" dirty="0" err="1"/>
+              <a:t>sure</a:t>
+            </a:r>
+            <a:r>
+              <a:rPr lang="cs-CZ" dirty="0"/>
+              <a:t>, </a:t>
+            </a:r>
+            <a:r>
+              <a:rPr lang="cs-CZ" dirty="0" err="1"/>
+              <a:t>that</a:t>
+            </a:r>
+            <a:r>
+              <a:rPr lang="cs-CZ" dirty="0"/>
+              <a:t> </a:t>
+            </a:r>
+            <a:r>
+              <a:rPr lang="cs-CZ" dirty="0" err="1"/>
+              <a:t>you</a:t>
+            </a:r>
+            <a:r>
+              <a:rPr lang="cs-CZ" dirty="0"/>
+              <a:t> </a:t>
+            </a:r>
+            <a:r>
+              <a:rPr lang="cs-CZ" dirty="0" err="1"/>
+              <a:t>have</a:t>
+            </a:r>
+            <a:r>
+              <a:rPr lang="cs-CZ" dirty="0"/>
+              <a:t> </a:t>
+            </a:r>
+            <a:r>
+              <a:rPr lang="cs-CZ" dirty="0" err="1"/>
+              <a:t>that</a:t>
+            </a:r>
+            <a:r>
+              <a:rPr lang="cs-CZ" dirty="0"/>
+              <a:t> </a:t>
+            </a:r>
+            <a:r>
+              <a:rPr lang="cs-CZ" dirty="0" err="1"/>
+              <a:t>one</a:t>
+            </a:r>
+            <a:r>
+              <a:rPr lang="cs-CZ" dirty="0"/>
+              <a:t> game, </a:t>
+            </a:r>
+            <a:r>
+              <a:rPr lang="cs-CZ" dirty="0" err="1"/>
+              <a:t>you</a:t>
+            </a:r>
+            <a:r>
+              <a:rPr lang="cs-CZ" dirty="0"/>
+              <a:t> </a:t>
+            </a:r>
+            <a:r>
+              <a:rPr lang="cs-CZ" dirty="0" err="1"/>
+              <a:t>played</a:t>
+            </a:r>
+            <a:r>
+              <a:rPr lang="cs-CZ" dirty="0"/>
+              <a:t> </a:t>
+            </a:r>
+            <a:r>
+              <a:rPr lang="cs-CZ" dirty="0" err="1"/>
+              <a:t>when</a:t>
+            </a:r>
+            <a:r>
+              <a:rPr lang="cs-CZ" dirty="0"/>
+              <a:t> </a:t>
+            </a:r>
+            <a:r>
+              <a:rPr lang="cs-CZ" dirty="0" err="1"/>
+              <a:t>you</a:t>
+            </a:r>
+            <a:r>
+              <a:rPr lang="cs-CZ" dirty="0"/>
+              <a:t> </a:t>
+            </a:r>
+            <a:r>
+              <a:rPr lang="cs-CZ" dirty="0" err="1"/>
+              <a:t>were</a:t>
+            </a:r>
+            <a:r>
+              <a:rPr lang="cs-CZ" dirty="0"/>
+              <a:t> </a:t>
+            </a:r>
+            <a:r>
+              <a:rPr lang="cs-CZ" dirty="0" err="1"/>
+              <a:t>children</a:t>
+            </a:r>
+            <a:r>
+              <a:rPr lang="cs-CZ" dirty="0"/>
+              <a:t>. </a:t>
+            </a:r>
+            <a:r>
+              <a:rPr lang="cs-CZ" dirty="0" err="1"/>
+              <a:t>Duke</a:t>
+            </a:r>
+            <a:r>
+              <a:rPr lang="cs-CZ" dirty="0"/>
+              <a:t> </a:t>
+            </a:r>
+            <a:r>
+              <a:rPr lang="cs-CZ" dirty="0" err="1"/>
+              <a:t>Nukem</a:t>
+            </a:r>
+            <a:r>
+              <a:rPr lang="cs-CZ" dirty="0"/>
+              <a:t> 3D? </a:t>
+            </a:r>
+            <a:r>
+              <a:rPr lang="cs-CZ" dirty="0" err="1"/>
+              <a:t>Wolfenstein</a:t>
+            </a:r>
+            <a:r>
+              <a:rPr lang="cs-CZ" dirty="0"/>
+              <a:t>? </a:t>
+            </a:r>
+            <a:r>
+              <a:rPr lang="cs-CZ" dirty="0" err="1"/>
+              <a:t>Need</a:t>
+            </a:r>
+            <a:r>
+              <a:rPr lang="cs-CZ" dirty="0"/>
+              <a:t> </a:t>
+            </a:r>
+            <a:r>
+              <a:rPr lang="cs-CZ" dirty="0" err="1"/>
+              <a:t>for</a:t>
+            </a:r>
+            <a:r>
+              <a:rPr lang="cs-CZ" dirty="0"/>
+              <a:t> Speed </a:t>
+            </a:r>
+            <a:r>
+              <a:rPr lang="cs-CZ" dirty="0" err="1"/>
+              <a:t>Undergroung</a:t>
+            </a:r>
+            <a:r>
+              <a:rPr lang="cs-CZ" dirty="0"/>
+              <a:t> are mine </a:t>
+            </a:r>
+            <a:r>
+              <a:rPr lang="cs-CZ" dirty="0" err="1"/>
+              <a:t>for</a:t>
+            </a:r>
+            <a:r>
+              <a:rPr lang="cs-CZ" dirty="0"/>
+              <a:t> instance. And </a:t>
+            </a:r>
+            <a:r>
+              <a:rPr lang="cs-CZ" dirty="0" err="1"/>
+              <a:t>those</a:t>
+            </a:r>
+            <a:r>
+              <a:rPr lang="cs-CZ" dirty="0"/>
+              <a:t> </a:t>
+            </a:r>
+            <a:r>
+              <a:rPr lang="cs-CZ" dirty="0" err="1"/>
+              <a:t>games</a:t>
+            </a:r>
+            <a:r>
+              <a:rPr lang="cs-CZ" dirty="0"/>
+              <a:t> </a:t>
+            </a:r>
+            <a:r>
+              <a:rPr lang="cs-CZ" dirty="0" err="1"/>
+              <a:t>were</a:t>
+            </a:r>
+            <a:r>
+              <a:rPr lang="cs-CZ" dirty="0"/>
+              <a:t> a lot </a:t>
+            </a:r>
+            <a:r>
+              <a:rPr lang="cs-CZ" dirty="0" err="1"/>
+              <a:t>of</a:t>
+            </a:r>
+            <a:r>
+              <a:rPr lang="cs-CZ" dirty="0"/>
+              <a:t> </a:t>
+            </a:r>
+            <a:r>
+              <a:rPr lang="cs-CZ" dirty="0" err="1"/>
+              <a:t>fun</a:t>
+            </a:r>
+            <a:r>
+              <a:rPr lang="cs-CZ" dirty="0"/>
+              <a:t>, but Do I play </a:t>
+            </a:r>
+            <a:r>
+              <a:rPr lang="cs-CZ" dirty="0" err="1"/>
+              <a:t>them</a:t>
+            </a:r>
+            <a:r>
+              <a:rPr lang="cs-CZ" dirty="0"/>
+              <a:t> </a:t>
+            </a:r>
+            <a:r>
+              <a:rPr lang="cs-CZ" dirty="0" err="1"/>
+              <a:t>today</a:t>
+            </a:r>
+            <a:r>
+              <a:rPr lang="cs-CZ" dirty="0"/>
+              <a:t>? Not </a:t>
+            </a:r>
+            <a:r>
+              <a:rPr lang="cs-CZ" dirty="0" err="1"/>
+              <a:t>anymore</a:t>
+            </a:r>
+            <a:r>
+              <a:rPr lang="cs-CZ" dirty="0"/>
+              <a:t>. I </a:t>
+            </a:r>
+            <a:r>
+              <a:rPr lang="cs-CZ" dirty="0" err="1"/>
+              <a:t>played</a:t>
+            </a:r>
+            <a:r>
+              <a:rPr lang="cs-CZ" dirty="0"/>
+              <a:t> </a:t>
+            </a:r>
+            <a:r>
+              <a:rPr lang="cs-CZ" dirty="0" err="1"/>
+              <a:t>them</a:t>
+            </a:r>
+            <a:r>
+              <a:rPr lang="cs-CZ" dirty="0"/>
+              <a:t> </a:t>
+            </a:r>
+            <a:r>
+              <a:rPr lang="cs-CZ" dirty="0" err="1"/>
+              <a:t>for</a:t>
+            </a:r>
+            <a:r>
+              <a:rPr lang="cs-CZ" dirty="0"/>
+              <a:t> so long </a:t>
+            </a:r>
+            <a:r>
+              <a:rPr lang="cs-CZ" dirty="0" err="1"/>
+              <a:t>that</a:t>
+            </a:r>
+            <a:r>
+              <a:rPr lang="cs-CZ" dirty="0"/>
+              <a:t> – </a:t>
+            </a:r>
+            <a:r>
+              <a:rPr lang="cs-CZ" dirty="0" err="1"/>
+              <a:t>well</a:t>
+            </a:r>
+            <a:r>
+              <a:rPr lang="cs-CZ" dirty="0"/>
+              <a:t> – </a:t>
+            </a:r>
+            <a:r>
+              <a:rPr lang="cs-CZ" dirty="0" err="1"/>
+              <a:t>the</a:t>
+            </a:r>
+            <a:r>
+              <a:rPr lang="cs-CZ" dirty="0"/>
+              <a:t> </a:t>
+            </a:r>
+            <a:r>
+              <a:rPr lang="cs-CZ" dirty="0" err="1"/>
+              <a:t>fun</a:t>
+            </a:r>
+            <a:r>
+              <a:rPr lang="cs-CZ" dirty="0"/>
+              <a:t> </a:t>
+            </a:r>
+            <a:r>
+              <a:rPr lang="cs-CZ" dirty="0" err="1"/>
+              <a:t>is</a:t>
+            </a:r>
+            <a:r>
+              <a:rPr lang="cs-CZ" dirty="0"/>
+              <a:t> </a:t>
+            </a:r>
+            <a:r>
+              <a:rPr lang="cs-CZ" dirty="0" err="1"/>
+              <a:t>gone</a:t>
+            </a:r>
+            <a:r>
+              <a:rPr lang="cs-CZ" dirty="0"/>
+              <a:t>, </a:t>
+            </a:r>
+            <a:r>
+              <a:rPr lang="cs-CZ" dirty="0" err="1"/>
+              <a:t>they</a:t>
+            </a:r>
+            <a:r>
+              <a:rPr lang="cs-CZ" dirty="0"/>
+              <a:t> are </a:t>
+            </a:r>
+            <a:r>
+              <a:rPr lang="cs-CZ" dirty="0" err="1"/>
+              <a:t>way</a:t>
+            </a:r>
+            <a:r>
+              <a:rPr lang="cs-CZ" dirty="0"/>
+              <a:t> </a:t>
+            </a:r>
+            <a:r>
+              <a:rPr lang="cs-CZ" dirty="0" err="1"/>
+              <a:t>too</a:t>
+            </a:r>
+            <a:r>
+              <a:rPr lang="cs-CZ" dirty="0"/>
+              <a:t> </a:t>
+            </a:r>
+            <a:r>
+              <a:rPr lang="cs-CZ" dirty="0" err="1"/>
+              <a:t>familiar</a:t>
+            </a:r>
+            <a:r>
+              <a:rPr lang="cs-CZ" dirty="0"/>
+              <a:t>.</a:t>
+            </a:r>
+          </a:p>
+          <a:p>
+            <a:endParaRPr lang="cs-CZ" dirty="0"/>
+          </a:p>
+          <a:p>
+            <a:r>
+              <a:rPr lang="cs-CZ" dirty="0"/>
+              <a:t>But </a:t>
+            </a:r>
+            <a:r>
+              <a:rPr lang="cs-CZ" dirty="0" err="1"/>
+              <a:t>What</a:t>
+            </a:r>
+            <a:r>
+              <a:rPr lang="cs-CZ" dirty="0"/>
+              <a:t> </a:t>
+            </a:r>
+            <a:r>
+              <a:rPr lang="cs-CZ" dirty="0" err="1"/>
+              <a:t>if</a:t>
+            </a:r>
+            <a:r>
+              <a:rPr lang="cs-CZ" dirty="0"/>
+              <a:t> I </a:t>
+            </a:r>
+            <a:r>
+              <a:rPr lang="cs-CZ" dirty="0" err="1"/>
+              <a:t>told</a:t>
+            </a:r>
+            <a:r>
+              <a:rPr lang="cs-CZ" dirty="0"/>
+              <a:t> </a:t>
+            </a:r>
+            <a:r>
+              <a:rPr lang="cs-CZ" dirty="0" err="1"/>
+              <a:t>you</a:t>
+            </a:r>
+            <a:r>
+              <a:rPr lang="cs-CZ" dirty="0"/>
+              <a:t> </a:t>
+            </a:r>
+            <a:r>
+              <a:rPr lang="cs-CZ" dirty="0" err="1"/>
+              <a:t>there</a:t>
+            </a:r>
+            <a:r>
+              <a:rPr lang="cs-CZ" dirty="0"/>
+              <a:t> </a:t>
+            </a:r>
+            <a:r>
+              <a:rPr lang="cs-CZ" dirty="0" err="1"/>
+              <a:t>is</a:t>
+            </a:r>
+            <a:r>
+              <a:rPr lang="cs-CZ" dirty="0"/>
+              <a:t> a </a:t>
+            </a:r>
+            <a:r>
+              <a:rPr lang="cs-CZ" dirty="0" err="1"/>
+              <a:t>way</a:t>
+            </a:r>
+            <a:r>
+              <a:rPr lang="cs-CZ" dirty="0"/>
+              <a:t> to </a:t>
+            </a:r>
+            <a:r>
+              <a:rPr lang="cs-CZ" dirty="0" err="1"/>
+              <a:t>enjoy</a:t>
+            </a:r>
+            <a:r>
+              <a:rPr lang="cs-CZ" dirty="0"/>
+              <a:t> </a:t>
+            </a:r>
+            <a:r>
+              <a:rPr lang="cs-CZ" dirty="0" err="1"/>
+              <a:t>the</a:t>
+            </a:r>
+            <a:r>
+              <a:rPr lang="cs-CZ" dirty="0"/>
+              <a:t> </a:t>
+            </a:r>
+            <a:r>
+              <a:rPr lang="cs-CZ" dirty="0" err="1"/>
+              <a:t>games</a:t>
+            </a:r>
+            <a:r>
+              <a:rPr lang="cs-CZ" dirty="0"/>
+              <a:t> </a:t>
+            </a:r>
+            <a:r>
+              <a:rPr lang="cs-CZ" dirty="0" err="1"/>
+              <a:t>once</a:t>
+            </a:r>
+            <a:r>
+              <a:rPr lang="cs-CZ" dirty="0"/>
+              <a:t> </a:t>
+            </a:r>
+            <a:r>
+              <a:rPr lang="cs-CZ" dirty="0" err="1"/>
+              <a:t>again</a:t>
+            </a:r>
+            <a:r>
+              <a:rPr lang="cs-CZ" dirty="0"/>
+              <a:t>. To </a:t>
+            </a:r>
+            <a:r>
+              <a:rPr lang="cs-CZ" dirty="0" err="1"/>
+              <a:t>share</a:t>
+            </a:r>
+            <a:r>
+              <a:rPr lang="cs-CZ" dirty="0"/>
+              <a:t> </a:t>
+            </a:r>
+            <a:r>
+              <a:rPr lang="cs-CZ" dirty="0" err="1"/>
+              <a:t>that</a:t>
+            </a:r>
+            <a:r>
+              <a:rPr lang="cs-CZ" dirty="0"/>
+              <a:t> </a:t>
+            </a:r>
+            <a:r>
+              <a:rPr lang="cs-CZ" dirty="0" err="1"/>
+              <a:t>joy</a:t>
+            </a:r>
+            <a:r>
+              <a:rPr lang="cs-CZ" dirty="0"/>
+              <a:t> </a:t>
+            </a:r>
+            <a:r>
+              <a:rPr lang="cs-CZ" dirty="0" err="1"/>
+              <a:t>with</a:t>
+            </a:r>
+            <a:r>
+              <a:rPr lang="cs-CZ" dirty="0"/>
+              <a:t> </a:t>
+            </a:r>
+            <a:r>
+              <a:rPr lang="cs-CZ" dirty="0" err="1"/>
+              <a:t>your</a:t>
+            </a:r>
+            <a:r>
+              <a:rPr lang="cs-CZ" dirty="0"/>
+              <a:t> </a:t>
+            </a:r>
+            <a:r>
+              <a:rPr lang="cs-CZ" dirty="0" err="1"/>
+              <a:t>friends</a:t>
+            </a:r>
+            <a:r>
+              <a:rPr lang="cs-CZ" dirty="0"/>
+              <a:t>, and to make </a:t>
+            </a:r>
+            <a:r>
+              <a:rPr lang="cs-CZ" dirty="0" err="1"/>
+              <a:t>virtually</a:t>
+            </a:r>
+            <a:r>
+              <a:rPr lang="cs-CZ" dirty="0"/>
+              <a:t> any game a multiplayer </a:t>
+            </a:r>
+            <a:r>
+              <a:rPr lang="cs-CZ" dirty="0" err="1"/>
+              <a:t>cooperative</a:t>
+            </a:r>
+            <a:r>
+              <a:rPr lang="cs-CZ" dirty="0"/>
+              <a:t> party game. Let</a:t>
+            </a:r>
+            <a:r>
+              <a:rPr lang="en-US" dirty="0"/>
+              <a:t>’s see how it works.</a:t>
+            </a:r>
+            <a:endParaRPr lang="cs-CZ" dirty="0"/>
+          </a:p>
+          <a:p>
+            <a:endParaRPr lang="cs-CZ" dirty="0"/>
+          </a:p>
+          <a:p>
+            <a:r>
+              <a:rPr lang="cs-CZ" dirty="0" err="1"/>
+              <a:t>The</a:t>
+            </a:r>
+            <a:r>
+              <a:rPr lang="cs-CZ" dirty="0"/>
+              <a:t> idea </a:t>
+            </a:r>
+            <a:r>
+              <a:rPr lang="cs-CZ" dirty="0" err="1"/>
+              <a:t>is</a:t>
+            </a:r>
+            <a:r>
+              <a:rPr lang="cs-CZ" dirty="0"/>
+              <a:t> </a:t>
+            </a:r>
+            <a:r>
+              <a:rPr lang="cs-CZ" dirty="0" err="1"/>
+              <a:t>pretty</a:t>
+            </a:r>
+            <a:r>
+              <a:rPr lang="cs-CZ" dirty="0"/>
+              <a:t> </a:t>
+            </a:r>
+            <a:r>
+              <a:rPr lang="cs-CZ" dirty="0" err="1"/>
+              <a:t>simple</a:t>
+            </a:r>
+            <a:r>
+              <a:rPr lang="cs-CZ" dirty="0"/>
+              <a:t>. </a:t>
+            </a:r>
+            <a:r>
+              <a:rPr lang="en-US" dirty="0"/>
+              <a:t>Each of the players is responsible only for fraction of the controls, they have to cooperate and talk to each other to be successful. </a:t>
+            </a:r>
+            <a:r>
+              <a:rPr lang="cs-CZ" dirty="0" err="1"/>
+              <a:t>Say</a:t>
+            </a:r>
+            <a:r>
+              <a:rPr lang="cs-CZ" dirty="0"/>
+              <a:t>, Martin, Kamil and Petr </a:t>
+            </a:r>
+            <a:r>
+              <a:rPr lang="cs-CZ" dirty="0" err="1"/>
+              <a:t>meet</a:t>
+            </a:r>
+            <a:r>
+              <a:rPr lang="cs-CZ" dirty="0"/>
+              <a:t> on a party and </a:t>
+            </a:r>
+            <a:r>
+              <a:rPr lang="cs-CZ" dirty="0" err="1"/>
+              <a:t>would</a:t>
+            </a:r>
+            <a:r>
+              <a:rPr lang="cs-CZ" dirty="0"/>
+              <a:t> love to play </a:t>
+            </a:r>
+            <a:r>
+              <a:rPr lang="cs-CZ" dirty="0" err="1"/>
+              <a:t>Doom</a:t>
+            </a:r>
+            <a:r>
+              <a:rPr lang="cs-CZ" dirty="0"/>
+              <a:t>, </a:t>
+            </a:r>
+            <a:r>
+              <a:rPr lang="cs-CZ" dirty="0" err="1"/>
+              <a:t>together</a:t>
+            </a:r>
+            <a:r>
+              <a:rPr lang="cs-CZ" dirty="0"/>
+              <a:t>. </a:t>
+            </a:r>
+            <a:r>
+              <a:rPr lang="en-US" dirty="0"/>
+              <a:t>So with our app, they can share the control of the main character in a way, that Martin </a:t>
+            </a:r>
+            <a:r>
+              <a:rPr lang="cs-CZ" dirty="0" err="1"/>
+              <a:t>here</a:t>
+            </a:r>
+            <a:r>
+              <a:rPr lang="cs-CZ" dirty="0"/>
+              <a:t> </a:t>
+            </a:r>
+            <a:r>
+              <a:rPr lang="cs-CZ" dirty="0" err="1"/>
+              <a:t>is</a:t>
+            </a:r>
+            <a:r>
+              <a:rPr lang="cs-CZ" dirty="0"/>
+              <a:t> </a:t>
+            </a:r>
+            <a:r>
+              <a:rPr lang="cs-CZ" dirty="0" err="1"/>
+              <a:t>responsible</a:t>
+            </a:r>
+            <a:r>
+              <a:rPr lang="cs-CZ" dirty="0"/>
+              <a:t> </a:t>
+            </a:r>
+            <a:r>
+              <a:rPr lang="cs-CZ" dirty="0" err="1"/>
+              <a:t>for</a:t>
+            </a:r>
+            <a:r>
+              <a:rPr lang="cs-CZ" dirty="0"/>
+              <a:t> </a:t>
+            </a:r>
+            <a:r>
+              <a:rPr lang="cs-CZ" dirty="0" err="1"/>
+              <a:t>looking</a:t>
+            </a:r>
+            <a:r>
+              <a:rPr lang="cs-CZ" dirty="0"/>
+              <a:t> </a:t>
+            </a:r>
+            <a:r>
+              <a:rPr lang="cs-CZ" dirty="0" err="1"/>
+              <a:t>around</a:t>
+            </a:r>
+            <a:r>
+              <a:rPr lang="cs-CZ" dirty="0"/>
+              <a:t>. Kamil </a:t>
+            </a:r>
+            <a:r>
+              <a:rPr lang="cs-CZ" dirty="0" err="1"/>
+              <a:t>is</a:t>
+            </a:r>
+            <a:r>
+              <a:rPr lang="cs-CZ" dirty="0"/>
+              <a:t> </a:t>
+            </a:r>
+            <a:r>
+              <a:rPr lang="cs-CZ" dirty="0" err="1"/>
+              <a:t>responsible</a:t>
+            </a:r>
+            <a:r>
+              <a:rPr lang="cs-CZ" dirty="0"/>
+              <a:t> </a:t>
+            </a:r>
+            <a:r>
+              <a:rPr lang="cs-CZ" dirty="0" err="1"/>
+              <a:t>for</a:t>
+            </a:r>
+            <a:r>
+              <a:rPr lang="cs-CZ" dirty="0"/>
+              <a:t> </a:t>
+            </a:r>
+            <a:r>
+              <a:rPr lang="cs-CZ" dirty="0" err="1"/>
+              <a:t>the</a:t>
+            </a:r>
+            <a:r>
+              <a:rPr lang="cs-CZ" dirty="0"/>
+              <a:t> </a:t>
+            </a:r>
+            <a:r>
+              <a:rPr lang="cs-CZ" dirty="0" err="1"/>
+              <a:t>movement</a:t>
+            </a:r>
+            <a:r>
+              <a:rPr lang="cs-CZ" dirty="0"/>
+              <a:t>, and Petr </a:t>
+            </a:r>
+            <a:r>
+              <a:rPr lang="cs-CZ" dirty="0" err="1"/>
+              <a:t>for</a:t>
+            </a:r>
+            <a:r>
+              <a:rPr lang="cs-CZ" dirty="0"/>
+              <a:t> </a:t>
+            </a:r>
+            <a:r>
+              <a:rPr lang="cs-CZ" dirty="0" err="1"/>
+              <a:t>shooting</a:t>
+            </a:r>
+            <a:r>
+              <a:rPr lang="cs-CZ" dirty="0"/>
+              <a:t>.</a:t>
+            </a:r>
+            <a:r>
+              <a:rPr lang="en-US" dirty="0"/>
+              <a:t> So, together they form a sort of “Human Gamepad”.</a:t>
+            </a:r>
+          </a:p>
+          <a:p>
+            <a:endParaRPr lang="en-US" dirty="0"/>
+          </a:p>
+          <a:p>
+            <a:r>
               <a:rPr lang="en-US" dirty="0"/>
               <a:t>Lets see how that works in real life:</a:t>
             </a:r>
@@ -3616,6 +4573,25 @@
               <a:rPr lang="en-US" dirty="0"/>
               <a:t>(Honestly I think this is funny and we have not yet even started)</a:t>
             </a:r>
+          </a:p>
+          <a:p>
+            <a:endParaRPr lang="en-US" dirty="0"/>
+          </a:p>
+          <a:p>
+            <a:r>
+              <a:rPr lang="en-US" dirty="0"/>
+              <a:t>Isn’t it beautiful? We allow you, to have fun in a way you could not imagine before. Thanks to the simple design, you can play almost infinite number of games, and you need only a small Raspberry Pi and your Android phone and if you want to, you can already download the app on Google play, and the Raspberry sources on our GitHub. </a:t>
+            </a:r>
+          </a:p>
+          <a:p>
+            <a:endParaRPr lang="en-US" dirty="0"/>
+          </a:p>
+          <a:p>
+            <a:r>
+              <a:rPr lang="en-US" dirty="0"/>
+              <a:t>And for the future versions of our app? In theory we an get rid of the Raspberry Pi completely, we can add more sensors, we can add “crazy mode” which changes the controls for the players after every 30 seconds or so, and we would like to add support for multiple teams competing against each other. The possibilities are infinite and are just around the corner.</a:t>
+            </a:r>
+            <a:endParaRPr lang="en-IN" dirty="0"/>
           </a:p>
         </p:txBody>
       </p:sp>
@@ -3645,7 +4621,7 @@
     </p:spTree>
     <p:extLst>
       <p:ext uri="{BB962C8B-B14F-4D97-AF65-F5344CB8AC3E}">
-        <p14:creationId xmlns:p14="http://schemas.microsoft.com/office/powerpoint/2010/main" val="56558284"/>
+        <p14:creationId xmlns:p14="http://schemas.microsoft.com/office/powerpoint/2010/main" val="3339105242"/>
       </p:ext>
     </p:extLst>
   </p:cSld>
@@ -3701,7 +4677,7 @@
           <a:p>
             <a:r>
               <a:rPr lang="en-US" dirty="0"/>
-              <a:t>Isn’t it beautiful? We allow you, to have fun in a way you could not imagine before. Thanks to the simple design, you can play almost infinite number of games, and you need only a small Raspberry Pi and your Android phone and if you want to, you can already download the app on Google play, and the Raspberry sources on our GitHub. </a:t>
+              <a:t>Lets see how that works in real life:</a:t>
             </a:r>
           </a:p>
           <a:p>
@@ -3710,9 +4686,29 @@
           <a:p>
             <a:r>
               <a:rPr lang="en-US" dirty="0"/>
-              <a:t>And for the future versions of our app? In theory we an get rid of the Raspberry Pi completely, we can add more sensors, we can add “crazy mode” which changes the controls for the players after every 30 seconds or so, and we would like to add support for multiple teams competing against each other. The possibilities are infinite and are just around the corner.</a:t>
-            </a:r>
-            <a:endParaRPr lang="en-IN" dirty="0"/>
+              <a:t>Martin here, is tilting his phone too look around</a:t>
+            </a:r>
+          </a:p>
+          <a:p>
+            <a:r>
+              <a:rPr lang="en-US" dirty="0"/>
+              <a:t>Kamil has buttons to move back and forth</a:t>
+            </a:r>
+          </a:p>
+          <a:p>
+            <a:r>
+              <a:rPr lang="en-US" dirty="0"/>
+              <a:t>And Petr has to jump to shoot</a:t>
+            </a:r>
+          </a:p>
+          <a:p>
+            <a:endParaRPr lang="en-US" dirty="0"/>
+          </a:p>
+          <a:p>
+            <a:r>
+              <a:rPr lang="en-US" dirty="0"/>
+              <a:t>(Honestly I think this is funny and we have not yet even started)</a:t>
+            </a:r>
           </a:p>
         </p:txBody>
       </p:sp>
@@ -3742,7 +4738,7 @@
     </p:spTree>
     <p:extLst>
       <p:ext uri="{BB962C8B-B14F-4D97-AF65-F5344CB8AC3E}">
-        <p14:creationId xmlns:p14="http://schemas.microsoft.com/office/powerpoint/2010/main" val="1384881448"/>
+        <p14:creationId xmlns:p14="http://schemas.microsoft.com/office/powerpoint/2010/main" val="56558284"/>
       </p:ext>
     </p:extLst>
   </p:cSld>
@@ -3774,7 +4770,7 @@
           <p:cNvPr id="8" name="Picture Placeholder 7">
             <a:extLst>
               <a:ext uri="{FF2B5EF4-FFF2-40B4-BE49-F238E27FC236}">
-                <a16:creationId xmlns:a16="http://schemas.microsoft.com/office/drawing/2014/main" id="{2240329E-969C-4C88-A4B8-26D42C28234E}"/>
+                <a16:creationId xmlns:a16="http://schemas.microsoft.com/office/drawing/2014/main" xmlns="" id="{2240329E-969C-4C88-A4B8-26D42C28234E}"/>
               </a:ext>
             </a:extLst>
           </p:cNvPr>
@@ -4000,7 +4996,7 @@
           <p:cNvPr id="8" name="Group 7">
             <a:extLst>
               <a:ext uri="{FF2B5EF4-FFF2-40B4-BE49-F238E27FC236}">
-                <a16:creationId xmlns:a16="http://schemas.microsoft.com/office/drawing/2014/main" id="{AE880BE4-1562-443F-A2F6-7636797388DE}"/>
+                <a16:creationId xmlns:a16="http://schemas.microsoft.com/office/drawing/2014/main" xmlns="" id="{AE880BE4-1562-443F-A2F6-7636797388DE}"/>
               </a:ext>
             </a:extLst>
           </p:cNvPr>
@@ -4031,7 +5027,7 @@
             <p:cNvPr id="5" name="Rectangle 13">
               <a:extLst>
                 <a:ext uri="{FF2B5EF4-FFF2-40B4-BE49-F238E27FC236}">
-                  <a16:creationId xmlns:a16="http://schemas.microsoft.com/office/drawing/2014/main" id="{9DCF2E03-087F-4BBD-BAD9-ED63125C7D51}"/>
+                  <a16:creationId xmlns:a16="http://schemas.microsoft.com/office/drawing/2014/main" xmlns="" id="{9DCF2E03-087F-4BBD-BAD9-ED63125C7D51}"/>
                 </a:ext>
               </a:extLst>
             </p:cNvPr>
@@ -4154,7 +5150,7 @@
             <p:cNvPr id="7" name="Freeform: Shape 6">
               <a:extLst>
                 <a:ext uri="{FF2B5EF4-FFF2-40B4-BE49-F238E27FC236}">
-                  <a16:creationId xmlns:a16="http://schemas.microsoft.com/office/drawing/2014/main" id="{30AC8171-A35A-46D0-A705-CA3635EDFA28}"/>
+                  <a16:creationId xmlns:a16="http://schemas.microsoft.com/office/drawing/2014/main" xmlns="" id="{30AC8171-A35A-46D0-A705-CA3635EDFA28}"/>
                 </a:ext>
               </a:extLst>
             </p:cNvPr>
@@ -4256,7 +5252,7 @@
           <p:cNvPr id="6" name="Picture Placeholder 73">
             <a:extLst>
               <a:ext uri="{FF2B5EF4-FFF2-40B4-BE49-F238E27FC236}">
-                <a16:creationId xmlns:a16="http://schemas.microsoft.com/office/drawing/2014/main" id="{05D1A381-185F-411A-A56C-AA6BEAE1882D}"/>
+                <a16:creationId xmlns:a16="http://schemas.microsoft.com/office/drawing/2014/main" xmlns="" id="{05D1A381-185F-411A-A56C-AA6BEAE1882D}"/>
               </a:ext>
             </a:extLst>
           </p:cNvPr>
@@ -4507,7 +5503,7 @@
           <p:cNvPr id="6" name="Picture Placeholder 5">
             <a:extLst>
               <a:ext uri="{FF2B5EF4-FFF2-40B4-BE49-F238E27FC236}">
-                <a16:creationId xmlns:a16="http://schemas.microsoft.com/office/drawing/2014/main" id="{0E5CB29B-C790-4A61-BE6E-98E6AAD03B1D}"/>
+                <a16:creationId xmlns:a16="http://schemas.microsoft.com/office/drawing/2014/main" xmlns="" id="{0E5CB29B-C790-4A61-BE6E-98E6AAD03B1D}"/>
               </a:ext>
             </a:extLst>
           </p:cNvPr>
@@ -4543,7 +5539,7 @@
           <p:cNvPr id="12" name="Picture Placeholder 11">
             <a:extLst>
               <a:ext uri="{FF2B5EF4-FFF2-40B4-BE49-F238E27FC236}">
-                <a16:creationId xmlns:a16="http://schemas.microsoft.com/office/drawing/2014/main" id="{62F71961-3665-4E1A-AF8E-E1397B8733B6}"/>
+                <a16:creationId xmlns:a16="http://schemas.microsoft.com/office/drawing/2014/main" xmlns="" id="{62F71961-3665-4E1A-AF8E-E1397B8733B6}"/>
               </a:ext>
             </a:extLst>
           </p:cNvPr>
@@ -4589,7 +5585,7 @@
           <p:cNvPr id="17" name="Picture Placeholder 16">
             <a:extLst>
               <a:ext uri="{FF2B5EF4-FFF2-40B4-BE49-F238E27FC236}">
-                <a16:creationId xmlns:a16="http://schemas.microsoft.com/office/drawing/2014/main" id="{4973D861-11BC-4F03-8156-8BFA564989FE}"/>
+                <a16:creationId xmlns:a16="http://schemas.microsoft.com/office/drawing/2014/main" xmlns="" id="{4973D861-11BC-4F03-8156-8BFA564989FE}"/>
               </a:ext>
             </a:extLst>
           </p:cNvPr>
@@ -4635,7 +5631,7 @@
           <p:cNvPr id="18" name="Picture Placeholder 17">
             <a:extLst>
               <a:ext uri="{FF2B5EF4-FFF2-40B4-BE49-F238E27FC236}">
-                <a16:creationId xmlns:a16="http://schemas.microsoft.com/office/drawing/2014/main" id="{0DAA5BF7-591B-4D9E-B095-0DC9B02657A9}"/>
+                <a16:creationId xmlns:a16="http://schemas.microsoft.com/office/drawing/2014/main" xmlns="" id="{0DAA5BF7-591B-4D9E-B095-0DC9B02657A9}"/>
               </a:ext>
             </a:extLst>
           </p:cNvPr>
@@ -4711,7 +5707,7 @@
           <p:cNvPr id="5" name="Picture Placeholder 4">
             <a:extLst>
               <a:ext uri="{FF2B5EF4-FFF2-40B4-BE49-F238E27FC236}">
-                <a16:creationId xmlns:a16="http://schemas.microsoft.com/office/drawing/2014/main" id="{512A75E4-E294-4D08-8FB3-C698BE72C977}"/>
+                <a16:creationId xmlns:a16="http://schemas.microsoft.com/office/drawing/2014/main" xmlns="" id="{512A75E4-E294-4D08-8FB3-C698BE72C977}"/>
               </a:ext>
             </a:extLst>
           </p:cNvPr>
@@ -4755,7 +5751,7 @@
           <p:cNvPr id="6" name="Picture Placeholder 4">
             <a:extLst>
               <a:ext uri="{FF2B5EF4-FFF2-40B4-BE49-F238E27FC236}">
-                <a16:creationId xmlns:a16="http://schemas.microsoft.com/office/drawing/2014/main" id="{4F03ACC0-0158-44FB-A309-134A9B25E412}"/>
+                <a16:creationId xmlns:a16="http://schemas.microsoft.com/office/drawing/2014/main" xmlns="" id="{4F03ACC0-0158-44FB-A309-134A9B25E412}"/>
               </a:ext>
             </a:extLst>
           </p:cNvPr>
@@ -4799,7 +5795,7 @@
           <p:cNvPr id="7" name="Picture Placeholder 4">
             <a:extLst>
               <a:ext uri="{FF2B5EF4-FFF2-40B4-BE49-F238E27FC236}">
-                <a16:creationId xmlns:a16="http://schemas.microsoft.com/office/drawing/2014/main" id="{E1BADC7F-2333-43D9-AB01-E4CE300D2AD9}"/>
+                <a16:creationId xmlns:a16="http://schemas.microsoft.com/office/drawing/2014/main" xmlns="" id="{E1BADC7F-2333-43D9-AB01-E4CE300D2AD9}"/>
               </a:ext>
             </a:extLst>
           </p:cNvPr>
@@ -4843,7 +5839,7 @@
           <p:cNvPr id="8" name="Picture Placeholder 4">
             <a:extLst>
               <a:ext uri="{FF2B5EF4-FFF2-40B4-BE49-F238E27FC236}">
-                <a16:creationId xmlns:a16="http://schemas.microsoft.com/office/drawing/2014/main" id="{6590FDBF-791A-4272-BE80-6C54CB14AEA2}"/>
+                <a16:creationId xmlns:a16="http://schemas.microsoft.com/office/drawing/2014/main" xmlns="" id="{6590FDBF-791A-4272-BE80-6C54CB14AEA2}"/>
               </a:ext>
             </a:extLst>
           </p:cNvPr>
@@ -4887,7 +5883,7 @@
           <p:cNvPr id="9" name="Picture Placeholder 4">
             <a:extLst>
               <a:ext uri="{FF2B5EF4-FFF2-40B4-BE49-F238E27FC236}">
-                <a16:creationId xmlns:a16="http://schemas.microsoft.com/office/drawing/2014/main" id="{5E73AD52-FD44-4119-AD59-E46D2364E78A}"/>
+                <a16:creationId xmlns:a16="http://schemas.microsoft.com/office/drawing/2014/main" xmlns="" id="{5E73AD52-FD44-4119-AD59-E46D2364E78A}"/>
               </a:ext>
             </a:extLst>
           </p:cNvPr>
@@ -4931,7 +5927,7 @@
           <p:cNvPr id="10" name="Picture Placeholder 4">
             <a:extLst>
               <a:ext uri="{FF2B5EF4-FFF2-40B4-BE49-F238E27FC236}">
-                <a16:creationId xmlns:a16="http://schemas.microsoft.com/office/drawing/2014/main" id="{1B260875-D973-4B20-BA7F-DCF96FF4340E}"/>
+                <a16:creationId xmlns:a16="http://schemas.microsoft.com/office/drawing/2014/main" xmlns="" id="{1B260875-D973-4B20-BA7F-DCF96FF4340E}"/>
               </a:ext>
             </a:extLst>
           </p:cNvPr>
@@ -4975,7 +5971,7 @@
           <p:cNvPr id="11" name="Picture Placeholder 4">
             <a:extLst>
               <a:ext uri="{FF2B5EF4-FFF2-40B4-BE49-F238E27FC236}">
-                <a16:creationId xmlns:a16="http://schemas.microsoft.com/office/drawing/2014/main" id="{F991C402-ACAF-4BD7-9901-1C9796CAE23D}"/>
+                <a16:creationId xmlns:a16="http://schemas.microsoft.com/office/drawing/2014/main" xmlns="" id="{F991C402-ACAF-4BD7-9901-1C9796CAE23D}"/>
               </a:ext>
             </a:extLst>
           </p:cNvPr>
@@ -5019,7 +6015,7 @@
           <p:cNvPr id="12" name="Picture Placeholder 4">
             <a:extLst>
               <a:ext uri="{FF2B5EF4-FFF2-40B4-BE49-F238E27FC236}">
-                <a16:creationId xmlns:a16="http://schemas.microsoft.com/office/drawing/2014/main" id="{7CAAEB27-6060-449B-B4CC-1D57D7CCF630}"/>
+                <a16:creationId xmlns:a16="http://schemas.microsoft.com/office/drawing/2014/main" xmlns="" id="{7CAAEB27-6060-449B-B4CC-1D57D7CCF630}"/>
               </a:ext>
             </a:extLst>
           </p:cNvPr>
@@ -5063,7 +6059,7 @@
           <p:cNvPr id="13" name="Picture Placeholder 4">
             <a:extLst>
               <a:ext uri="{FF2B5EF4-FFF2-40B4-BE49-F238E27FC236}">
-                <a16:creationId xmlns:a16="http://schemas.microsoft.com/office/drawing/2014/main" id="{8236EA79-8018-45C0-850C-3FC69780C10C}"/>
+                <a16:creationId xmlns:a16="http://schemas.microsoft.com/office/drawing/2014/main" xmlns="" id="{8236EA79-8018-45C0-850C-3FC69780C10C}"/>
               </a:ext>
             </a:extLst>
           </p:cNvPr>
@@ -5137,7 +6133,7 @@
           <p:cNvPr id="3" name="Picture Placeholder 2">
             <a:extLst>
               <a:ext uri="{FF2B5EF4-FFF2-40B4-BE49-F238E27FC236}">
-                <a16:creationId xmlns:a16="http://schemas.microsoft.com/office/drawing/2014/main" id="{736F9BD5-56EA-4D28-B10E-AEEDD3F28486}"/>
+                <a16:creationId xmlns:a16="http://schemas.microsoft.com/office/drawing/2014/main" xmlns="" id="{736F9BD5-56EA-4D28-B10E-AEEDD3F28486}"/>
               </a:ext>
             </a:extLst>
           </p:cNvPr>
@@ -5178,7 +6174,7 @@
           <p:cNvPr id="10" name="Picture Placeholder 2">
             <a:extLst>
               <a:ext uri="{FF2B5EF4-FFF2-40B4-BE49-F238E27FC236}">
-                <a16:creationId xmlns:a16="http://schemas.microsoft.com/office/drawing/2014/main" id="{AB1BDA3A-02D5-42A8-A1E9-32982EE7BCD3}"/>
+                <a16:creationId xmlns:a16="http://schemas.microsoft.com/office/drawing/2014/main" xmlns="" id="{AB1BDA3A-02D5-42A8-A1E9-32982EE7BCD3}"/>
               </a:ext>
             </a:extLst>
           </p:cNvPr>
@@ -5219,7 +6215,7 @@
           <p:cNvPr id="11" name="Picture Placeholder 2">
             <a:extLst>
               <a:ext uri="{FF2B5EF4-FFF2-40B4-BE49-F238E27FC236}">
-                <a16:creationId xmlns:a16="http://schemas.microsoft.com/office/drawing/2014/main" id="{6E469B63-E4CD-44CE-8CEC-866DE99078A5}"/>
+                <a16:creationId xmlns:a16="http://schemas.microsoft.com/office/drawing/2014/main" xmlns="" id="{6E469B63-E4CD-44CE-8CEC-866DE99078A5}"/>
               </a:ext>
             </a:extLst>
           </p:cNvPr>
@@ -5260,7 +6256,7 @@
           <p:cNvPr id="12" name="Rectangle 11">
             <a:extLst>
               <a:ext uri="{FF2B5EF4-FFF2-40B4-BE49-F238E27FC236}">
-                <a16:creationId xmlns:a16="http://schemas.microsoft.com/office/drawing/2014/main" id="{4082ABA6-2698-478B-ABD7-A1909A9EDA2F}"/>
+                <a16:creationId xmlns:a16="http://schemas.microsoft.com/office/drawing/2014/main" xmlns="" id="{4082ABA6-2698-478B-ABD7-A1909A9EDA2F}"/>
               </a:ext>
             </a:extLst>
           </p:cNvPr>
@@ -6976,7 +7972,7 @@
           <p:cNvPr id="6" name="Rectangle 5">
             <a:extLst>
               <a:ext uri="{FF2B5EF4-FFF2-40B4-BE49-F238E27FC236}">
-                <a16:creationId xmlns:a16="http://schemas.microsoft.com/office/drawing/2014/main" id="{FE00EA0E-A7EB-4634-B50F-4CD801452542}"/>
+                <a16:creationId xmlns:a16="http://schemas.microsoft.com/office/drawing/2014/main" xmlns="" id="{FE00EA0E-A7EB-4634-B50F-4CD801452542}"/>
               </a:ext>
             </a:extLst>
           </p:cNvPr>
@@ -7496,7 +8492,7 @@
           <p:cNvPr id="6" name="Rectangle 5">
             <a:extLst>
               <a:ext uri="{FF2B5EF4-FFF2-40B4-BE49-F238E27FC236}">
-                <a16:creationId xmlns:a16="http://schemas.microsoft.com/office/drawing/2014/main" id="{FE00EA0E-A7EB-4634-B50F-4CD801452542}"/>
+                <a16:creationId xmlns:a16="http://schemas.microsoft.com/office/drawing/2014/main" xmlns="" id="{FE00EA0E-A7EB-4634-B50F-4CD801452542}"/>
               </a:ext>
             </a:extLst>
           </p:cNvPr>
@@ -7548,7 +8544,7 @@
           <p:cNvPr id="12" name="Picture Placeholder 11">
             <a:extLst>
               <a:ext uri="{FF2B5EF4-FFF2-40B4-BE49-F238E27FC236}">
-                <a16:creationId xmlns:a16="http://schemas.microsoft.com/office/drawing/2014/main" id="{2A041F71-04C0-42E1-A833-D33BA23398CA}"/>
+                <a16:creationId xmlns:a16="http://schemas.microsoft.com/office/drawing/2014/main" xmlns="" id="{2A041F71-04C0-42E1-A833-D33BA23398CA}"/>
               </a:ext>
             </a:extLst>
           </p:cNvPr>
@@ -7632,7 +8628,7 @@
           <p:cNvPr id="15" name="Picture Placeholder 14">
             <a:extLst>
               <a:ext uri="{FF2B5EF4-FFF2-40B4-BE49-F238E27FC236}">
-                <a16:creationId xmlns:a16="http://schemas.microsoft.com/office/drawing/2014/main" id="{9B3B12DD-1C78-4957-BC67-4D712062EDC7}"/>
+                <a16:creationId xmlns:a16="http://schemas.microsoft.com/office/drawing/2014/main" xmlns="" id="{9B3B12DD-1C78-4957-BC67-4D712062EDC7}"/>
               </a:ext>
             </a:extLst>
           </p:cNvPr>
@@ -7716,7 +8712,7 @@
           <p:cNvPr id="19" name="Picture Placeholder 18">
             <a:extLst>
               <a:ext uri="{FF2B5EF4-FFF2-40B4-BE49-F238E27FC236}">
-                <a16:creationId xmlns:a16="http://schemas.microsoft.com/office/drawing/2014/main" id="{8186A2C4-6029-4B3B-B79C-F43C65E00503}"/>
+                <a16:creationId xmlns:a16="http://schemas.microsoft.com/office/drawing/2014/main" xmlns="" id="{8186A2C4-6029-4B3B-B79C-F43C65E00503}"/>
               </a:ext>
             </a:extLst>
           </p:cNvPr>
@@ -7830,7 +8826,7 @@
           <p:cNvPr id="6" name="Picture Placeholder 5">
             <a:extLst>
               <a:ext uri="{FF2B5EF4-FFF2-40B4-BE49-F238E27FC236}">
-                <a16:creationId xmlns:a16="http://schemas.microsoft.com/office/drawing/2014/main" id="{01E88B1B-06F6-450E-86CC-D17D64D27251}"/>
+                <a16:creationId xmlns:a16="http://schemas.microsoft.com/office/drawing/2014/main" xmlns="" id="{01E88B1B-06F6-450E-86CC-D17D64D27251}"/>
               </a:ext>
             </a:extLst>
           </p:cNvPr>
@@ -8056,7 +9052,7 @@
           <p:cNvPr id="5" name="Rectangle: Rounded Corners 4">
             <a:extLst>
               <a:ext uri="{FF2B5EF4-FFF2-40B4-BE49-F238E27FC236}">
-                <a16:creationId xmlns:a16="http://schemas.microsoft.com/office/drawing/2014/main" id="{E76A011F-04F1-4B74-B0BF-24DFCB2490D4}"/>
+                <a16:creationId xmlns:a16="http://schemas.microsoft.com/office/drawing/2014/main" xmlns="" id="{E76A011F-04F1-4B74-B0BF-24DFCB2490D4}"/>
               </a:ext>
             </a:extLst>
           </p:cNvPr>
@@ -8110,7 +9106,7 @@
           <p:cNvPr id="6" name="Graphic 5">
             <a:extLst>
               <a:ext uri="{FF2B5EF4-FFF2-40B4-BE49-F238E27FC236}">
-                <a16:creationId xmlns:a16="http://schemas.microsoft.com/office/drawing/2014/main" id="{63C95C12-0176-4ADF-BA69-AC271C9A638A}"/>
+                <a16:creationId xmlns:a16="http://schemas.microsoft.com/office/drawing/2014/main" xmlns="" id="{63C95C12-0176-4ADF-BA69-AC271C9A638A}"/>
               </a:ext>
             </a:extLst>
           </p:cNvPr>
@@ -8126,7 +9122,7 @@
                 <a14:useLocalDpi xmlns:a14="http://schemas.microsoft.com/office/drawing/2010/main"/>
               </a:ext>
               <a:ext uri="{96DAC541-7B7A-43D3-8B79-37D633B846F1}">
-                <asvg:svgBlip xmlns:asvg="http://schemas.microsoft.com/office/drawing/2016/SVG/main" r:embed="rId3"/>
+                <asvg:svgBlip xmlns:asvg="http://schemas.microsoft.com/office/drawing/2016/SVG/main" xmlns="" r:embed="rId3"/>
               </a:ext>
             </a:extLst>
           </a:blip>
@@ -8149,7 +9145,7 @@
           <p:cNvPr id="7" name="Picture Placeholder 5">
             <a:extLst>
               <a:ext uri="{FF2B5EF4-FFF2-40B4-BE49-F238E27FC236}">
-                <a16:creationId xmlns:a16="http://schemas.microsoft.com/office/drawing/2014/main" id="{16B43868-406B-4421-9EFF-28514878A32B}"/>
+                <a16:creationId xmlns:a16="http://schemas.microsoft.com/office/drawing/2014/main" xmlns="" id="{16B43868-406B-4421-9EFF-28514878A32B}"/>
               </a:ext>
             </a:extLst>
           </p:cNvPr>
@@ -8187,7 +9183,7 @@
           <p:cNvPr id="8" name="Picture Placeholder 5">
             <a:extLst>
               <a:ext uri="{FF2B5EF4-FFF2-40B4-BE49-F238E27FC236}">
-                <a16:creationId xmlns:a16="http://schemas.microsoft.com/office/drawing/2014/main" id="{FDD6C78C-94BC-4439-9B1A-F9212880E4DA}"/>
+                <a16:creationId xmlns:a16="http://schemas.microsoft.com/office/drawing/2014/main" xmlns="" id="{FDD6C78C-94BC-4439-9B1A-F9212880E4DA}"/>
               </a:ext>
             </a:extLst>
           </p:cNvPr>
@@ -8225,7 +9221,7 @@
           <p:cNvPr id="9" name="Picture Placeholder 5">
             <a:extLst>
               <a:ext uri="{FF2B5EF4-FFF2-40B4-BE49-F238E27FC236}">
-                <a16:creationId xmlns:a16="http://schemas.microsoft.com/office/drawing/2014/main" id="{400BF344-FD84-47CC-A86E-F41DAE233772}"/>
+                <a16:creationId xmlns:a16="http://schemas.microsoft.com/office/drawing/2014/main" xmlns="" id="{400BF344-FD84-47CC-A86E-F41DAE233772}"/>
               </a:ext>
             </a:extLst>
           </p:cNvPr>
@@ -8328,7 +9324,7 @@
           <p:cNvPr id="23" name="Title 1">
             <a:extLst>
               <a:ext uri="{FF2B5EF4-FFF2-40B4-BE49-F238E27FC236}">
-                <a16:creationId xmlns:a16="http://schemas.microsoft.com/office/drawing/2014/main" id="{FB41148D-ADF1-47B4-BAB7-5301C809EBAA}"/>
+                <a16:creationId xmlns:a16="http://schemas.microsoft.com/office/drawing/2014/main" xmlns="" id="{FB41148D-ADF1-47B4-BAB7-5301C809EBAA}"/>
               </a:ext>
             </a:extLst>
           </p:cNvPr>
@@ -8361,7 +9357,7 @@
           <p:cNvPr id="24" name="Rectangle 23">
             <a:extLst>
               <a:ext uri="{FF2B5EF4-FFF2-40B4-BE49-F238E27FC236}">
-                <a16:creationId xmlns:a16="http://schemas.microsoft.com/office/drawing/2014/main" id="{6E7A2B9F-4EC9-4DB6-BF10-8B334E07F13B}"/>
+                <a16:creationId xmlns:a16="http://schemas.microsoft.com/office/drawing/2014/main" xmlns="" id="{6E7A2B9F-4EC9-4DB6-BF10-8B334E07F13B}"/>
               </a:ext>
             </a:extLst>
           </p:cNvPr>
@@ -8513,7 +9509,7 @@
           <p:cNvPr id="25" name="Rectangle 24">
             <a:extLst>
               <a:ext uri="{FF2B5EF4-FFF2-40B4-BE49-F238E27FC236}">
-                <a16:creationId xmlns:a16="http://schemas.microsoft.com/office/drawing/2014/main" id="{F2985D5E-3032-4B4E-BA11-7AF8F7186729}"/>
+                <a16:creationId xmlns:a16="http://schemas.microsoft.com/office/drawing/2014/main" xmlns="" id="{F2985D5E-3032-4B4E-BA11-7AF8F7186729}"/>
               </a:ext>
             </a:extLst>
           </p:cNvPr>
@@ -8573,7 +9569,7 @@
           <p:cNvPr id="10" name="Group 9">
             <a:extLst>
               <a:ext uri="{FF2B5EF4-FFF2-40B4-BE49-F238E27FC236}">
-                <a16:creationId xmlns:a16="http://schemas.microsoft.com/office/drawing/2014/main" id="{0B2DCFF0-4C0C-46B9-81EE-EBB1AEC75288}"/>
+                <a16:creationId xmlns:a16="http://schemas.microsoft.com/office/drawing/2014/main" xmlns="" id="{0B2DCFF0-4C0C-46B9-81EE-EBB1AEC75288}"/>
               </a:ext>
             </a:extLst>
           </p:cNvPr>
@@ -8593,7 +9589,7 @@
             <p:cNvPr id="11" name="Rectangle: Rounded Corners 10">
               <a:extLst>
                 <a:ext uri="{FF2B5EF4-FFF2-40B4-BE49-F238E27FC236}">
-                  <a16:creationId xmlns:a16="http://schemas.microsoft.com/office/drawing/2014/main" id="{2E45CF23-46DE-4378-B274-41B9D546E728}"/>
+                  <a16:creationId xmlns:a16="http://schemas.microsoft.com/office/drawing/2014/main" xmlns="" id="{2E45CF23-46DE-4378-B274-41B9D546E728}"/>
                 </a:ext>
               </a:extLst>
             </p:cNvPr>
@@ -8649,7 +9645,7 @@
             <p:cNvPr id="18" name="Group 17">
               <a:extLst>
                 <a:ext uri="{FF2B5EF4-FFF2-40B4-BE49-F238E27FC236}">
-                  <a16:creationId xmlns:a16="http://schemas.microsoft.com/office/drawing/2014/main" id="{78204676-CFD3-48CA-A264-0F440CC54232}"/>
+                  <a16:creationId xmlns:a16="http://schemas.microsoft.com/office/drawing/2014/main" xmlns="" id="{78204676-CFD3-48CA-A264-0F440CC54232}"/>
                 </a:ext>
               </a:extLst>
             </p:cNvPr>
@@ -8672,7 +9668,7 @@
               <p:cNvPr id="19" name="Freeform 5">
                 <a:extLst>
                   <a:ext uri="{FF2B5EF4-FFF2-40B4-BE49-F238E27FC236}">
-                    <a16:creationId xmlns:a16="http://schemas.microsoft.com/office/drawing/2014/main" id="{29CA5273-45BF-4E3D-A09B-3F75ED1C8455}"/>
+                    <a16:creationId xmlns:a16="http://schemas.microsoft.com/office/drawing/2014/main" xmlns="" id="{29CA5273-45BF-4E3D-A09B-3F75ED1C8455}"/>
                   </a:ext>
                 </a:extLst>
               </p:cNvPr>
@@ -8909,7 +9905,7 @@
               <p:cNvPr id="20" name="Freeform 6">
                 <a:extLst>
                   <a:ext uri="{FF2B5EF4-FFF2-40B4-BE49-F238E27FC236}">
-                    <a16:creationId xmlns:a16="http://schemas.microsoft.com/office/drawing/2014/main" id="{37511223-7523-405E-A9FC-CEB1F1DCEB09}"/>
+                    <a16:creationId xmlns:a16="http://schemas.microsoft.com/office/drawing/2014/main" xmlns="" id="{37511223-7523-405E-A9FC-CEB1F1DCEB09}"/>
                   </a:ext>
                 </a:extLst>
               </p:cNvPr>
@@ -9106,7 +10102,7 @@
               <p:cNvPr id="21" name="Freeform 7">
                 <a:extLst>
                   <a:ext uri="{FF2B5EF4-FFF2-40B4-BE49-F238E27FC236}">
-                    <a16:creationId xmlns:a16="http://schemas.microsoft.com/office/drawing/2014/main" id="{423643BE-13A1-4501-8DDD-02B116C581C5}"/>
+                    <a16:creationId xmlns:a16="http://schemas.microsoft.com/office/drawing/2014/main" xmlns="" id="{423643BE-13A1-4501-8DDD-02B116C581C5}"/>
                   </a:ext>
                 </a:extLst>
               </p:cNvPr>
@@ -9343,7 +10339,7 @@
               <p:cNvPr id="22" name="Freeform 8">
                 <a:extLst>
                   <a:ext uri="{FF2B5EF4-FFF2-40B4-BE49-F238E27FC236}">
-                    <a16:creationId xmlns:a16="http://schemas.microsoft.com/office/drawing/2014/main" id="{C070938A-6612-4AE8-B74C-BCE17F1A4B0A}"/>
+                    <a16:creationId xmlns:a16="http://schemas.microsoft.com/office/drawing/2014/main" xmlns="" id="{C070938A-6612-4AE8-B74C-BCE17F1A4B0A}"/>
                   </a:ext>
                 </a:extLst>
               </p:cNvPr>
@@ -9582,7 +10578,7 @@
           <p:cNvPr id="9" name="Picture Placeholder 5">
             <a:extLst>
               <a:ext uri="{FF2B5EF4-FFF2-40B4-BE49-F238E27FC236}">
-                <a16:creationId xmlns:a16="http://schemas.microsoft.com/office/drawing/2014/main" id="{400BF344-FD84-47CC-A86E-F41DAE233772}"/>
+                <a16:creationId xmlns:a16="http://schemas.microsoft.com/office/drawing/2014/main" xmlns="" id="{400BF344-FD84-47CC-A86E-F41DAE233772}"/>
               </a:ext>
             </a:extLst>
           </p:cNvPr>
@@ -9650,7 +10646,7 @@
           <p:cNvPr id="8" name="Picture Placeholder 7">
             <a:extLst>
               <a:ext uri="{FF2B5EF4-FFF2-40B4-BE49-F238E27FC236}">
-                <a16:creationId xmlns:a16="http://schemas.microsoft.com/office/drawing/2014/main" id="{2240329E-969C-4C88-A4B8-26D42C28234E}"/>
+                <a16:creationId xmlns:a16="http://schemas.microsoft.com/office/drawing/2014/main" xmlns="" id="{2240329E-969C-4C88-A4B8-26D42C28234E}"/>
               </a:ext>
             </a:extLst>
           </p:cNvPr>
@@ -9781,7 +10777,7 @@
           <p:cNvPr id="2" name="Rectangle 1">
             <a:extLst>
               <a:ext uri="{FF2B5EF4-FFF2-40B4-BE49-F238E27FC236}">
-                <a16:creationId xmlns:a16="http://schemas.microsoft.com/office/drawing/2014/main" id="{4B833C5E-9DAA-42E9-B433-D49867DCE574}"/>
+                <a16:creationId xmlns:a16="http://schemas.microsoft.com/office/drawing/2014/main" xmlns="" id="{4B833C5E-9DAA-42E9-B433-D49867DCE574}"/>
               </a:ext>
             </a:extLst>
           </p:cNvPr>
@@ -9841,7 +10837,7 @@
           <p:cNvPr id="8" name="Picture Placeholder 7">
             <a:extLst>
               <a:ext uri="{FF2B5EF4-FFF2-40B4-BE49-F238E27FC236}">
-                <a16:creationId xmlns:a16="http://schemas.microsoft.com/office/drawing/2014/main" id="{2240329E-969C-4C88-A4B8-26D42C28234E}"/>
+                <a16:creationId xmlns:a16="http://schemas.microsoft.com/office/drawing/2014/main" xmlns="" id="{2240329E-969C-4C88-A4B8-26D42C28234E}"/>
               </a:ext>
             </a:extLst>
           </p:cNvPr>
@@ -10530,7 +11526,7 @@
           <p:cNvPr id="6" name="Picture Placeholder 5">
             <a:extLst>
               <a:ext uri="{FF2B5EF4-FFF2-40B4-BE49-F238E27FC236}">
-                <a16:creationId xmlns:a16="http://schemas.microsoft.com/office/drawing/2014/main" id="{3C5E706C-1AB5-4160-8CDB-F36A72CE617A}"/>
+                <a16:creationId xmlns:a16="http://schemas.microsoft.com/office/drawing/2014/main" xmlns="" id="{3C5E706C-1AB5-4160-8CDB-F36A72CE617A}"/>
               </a:ext>
             </a:extLst>
           </p:cNvPr>
@@ -10667,7 +11663,7 @@
           <p:cNvPr id="2" name="Title 1">
             <a:extLst>
               <a:ext uri="{FF2B5EF4-FFF2-40B4-BE49-F238E27FC236}">
-                <a16:creationId xmlns:a16="http://schemas.microsoft.com/office/drawing/2014/main" id="{E6894C1C-F479-40C8-AA85-16A6A68EB2DA}"/>
+                <a16:creationId xmlns:a16="http://schemas.microsoft.com/office/drawing/2014/main" xmlns="" id="{E6894C1C-F479-40C8-AA85-16A6A68EB2DA}"/>
               </a:ext>
             </a:extLst>
           </p:cNvPr>
@@ -10732,7 +11728,7 @@
           <p:cNvPr id="3" name="Subtitle 2">
             <a:extLst>
               <a:ext uri="{FF2B5EF4-FFF2-40B4-BE49-F238E27FC236}">
-                <a16:creationId xmlns:a16="http://schemas.microsoft.com/office/drawing/2014/main" id="{2F52411C-DC63-4F54-A303-A572BBF5AE20}"/>
+                <a16:creationId xmlns:a16="http://schemas.microsoft.com/office/drawing/2014/main" xmlns="" id="{2F52411C-DC63-4F54-A303-A572BBF5AE20}"/>
               </a:ext>
             </a:extLst>
           </p:cNvPr>
@@ -10931,7 +11927,7 @@
           <p:cNvPr id="6" name="Picture Placeholder 5">
             <a:extLst>
               <a:ext uri="{FF2B5EF4-FFF2-40B4-BE49-F238E27FC236}">
-                <a16:creationId xmlns:a16="http://schemas.microsoft.com/office/drawing/2014/main" id="{D859E4CC-DEF1-4A75-AB02-7788EC789636}"/>
+                <a16:creationId xmlns:a16="http://schemas.microsoft.com/office/drawing/2014/main" xmlns="" id="{D859E4CC-DEF1-4A75-AB02-7788EC789636}"/>
               </a:ext>
             </a:extLst>
           </p:cNvPr>
@@ -11041,7 +12037,7 @@
           <a:p>
             <a:pPr algn="ctr"/>
             <a:r>
-              <a:rPr lang="en-US" sz="7200" b="1">
+              <a:rPr lang="en-US" sz="7200" b="1" dirty="0">
                 <a:solidFill>
                   <a:schemeClr val="bg1"/>
                 </a:solidFill>
@@ -11049,23 +12045,15 @@
                 <a:ea typeface="Open Sans" panose="020B0606030504020204" pitchFamily="34" charset="0"/>
                 <a:cs typeface="Open Sans" panose="020B0606030504020204" pitchFamily="34" charset="0"/>
               </a:rPr>
-              <a:t>(Placeholder)</a:t>
-            </a:r>
-            <a:endParaRPr lang="en-US" sz="7200" b="1" dirty="0">
-              <a:solidFill>
-                <a:schemeClr val="bg1"/>
-              </a:solidFill>
-              <a:latin typeface="Open Sans" panose="020B0606030504020204" pitchFamily="34" charset="0"/>
-              <a:ea typeface="Open Sans" panose="020B0606030504020204" pitchFamily="34" charset="0"/>
-              <a:cs typeface="Open Sans" panose="020B0606030504020204" pitchFamily="34" charset="0"/>
-            </a:endParaRPr>
+              <a:t>Simple and Stupid</a:t>
+            </a:r>
           </a:p>
         </p:txBody>
       </p:sp>
     </p:spTree>
     <p:extLst>
       <p:ext uri="{BB962C8B-B14F-4D97-AF65-F5344CB8AC3E}">
-        <p14:creationId xmlns:p14="http://schemas.microsoft.com/office/powerpoint/2010/main" val="359107855"/>
+        <p14:creationId xmlns:p14="http://schemas.microsoft.com/office/powerpoint/2010/main" val="1997767710"/>
       </p:ext>
     </p:extLst>
   </p:cSld>
@@ -11097,7 +12085,7 @@
           <p:cNvPr id="6" name="Picture Placeholder 5">
             <a:extLst>
               <a:ext uri="{FF2B5EF4-FFF2-40B4-BE49-F238E27FC236}">
-                <a16:creationId xmlns:a16="http://schemas.microsoft.com/office/drawing/2014/main" id="{D859E4CC-DEF1-4A75-AB02-7788EC789636}"/>
+                <a16:creationId xmlns:a16="http://schemas.microsoft.com/office/drawing/2014/main" xmlns="" id="{D859E4CC-DEF1-4A75-AB02-7788EC789636}"/>
               </a:ext>
             </a:extLst>
           </p:cNvPr>
@@ -11185,6 +12173,172 @@
       </p:sp>
       <p:sp>
         <p:nvSpPr>
+          <p:cNvPr id="37" name="TextBox 36"/>
+          <p:cNvSpPr txBox="1"/>
+          <p:nvPr/>
+        </p:nvSpPr>
+        <p:spPr>
+          <a:xfrm>
+            <a:off x="1158241" y="2039905"/>
+            <a:ext cx="9797098" cy="1200329"/>
+          </a:xfrm>
+          <a:prstGeom prst="rect">
+            <a:avLst/>
+          </a:prstGeom>
+          <a:noFill/>
+        </p:spPr>
+        <p:txBody>
+          <a:bodyPr wrap="square" rtlCol="0">
+            <a:spAutoFit/>
+          </a:bodyPr>
+          <a:lstStyle/>
+          <a:p>
+            <a:pPr algn="ctr"/>
+            <a:r>
+              <a:rPr lang="en-US" sz="7200" b="1">
+                <a:solidFill>
+                  <a:schemeClr val="bg1"/>
+                </a:solidFill>
+                <a:latin typeface="Open Sans" panose="020B0606030504020204" pitchFamily="34" charset="0"/>
+                <a:ea typeface="Open Sans" panose="020B0606030504020204" pitchFamily="34" charset="0"/>
+                <a:cs typeface="Open Sans" panose="020B0606030504020204" pitchFamily="34" charset="0"/>
+              </a:rPr>
+              <a:t>(Placeholder)</a:t>
+            </a:r>
+            <a:endParaRPr lang="en-US" sz="7200" b="1" dirty="0">
+              <a:solidFill>
+                <a:schemeClr val="bg1"/>
+              </a:solidFill>
+              <a:latin typeface="Open Sans" panose="020B0606030504020204" pitchFamily="34" charset="0"/>
+              <a:ea typeface="Open Sans" panose="020B0606030504020204" pitchFamily="34" charset="0"/>
+              <a:cs typeface="Open Sans" panose="020B0606030504020204" pitchFamily="34" charset="0"/>
+            </a:endParaRPr>
+          </a:p>
+        </p:txBody>
+      </p:sp>
+    </p:spTree>
+    <p:extLst>
+      <p:ext uri="{BB962C8B-B14F-4D97-AF65-F5344CB8AC3E}">
+        <p14:creationId xmlns:p14="http://schemas.microsoft.com/office/powerpoint/2010/main" val="359107855"/>
+      </p:ext>
+    </p:extLst>
+  </p:cSld>
+  <p:clrMapOvr>
+    <a:masterClrMapping/>
+  </p:clrMapOvr>
+</p:sld>
+</file>
+
+<file path=ppt/slides/slide12.xml><?xml version="1.0" encoding="utf-8"?>
+<p:sld xmlns:a="http://schemas.openxmlformats.org/drawingml/2006/main" xmlns:r="http://schemas.openxmlformats.org/officeDocument/2006/relationships" xmlns:p="http://schemas.openxmlformats.org/presentationml/2006/main">
+  <p:cSld>
+    <p:spTree>
+      <p:nvGrpSpPr>
+        <p:cNvPr id="1" name=""/>
+        <p:cNvGrpSpPr/>
+        <p:nvPr/>
+      </p:nvGrpSpPr>
+      <p:grpSpPr>
+        <a:xfrm>
+          <a:off x="0" y="0"/>
+          <a:ext cx="0" cy="0"/>
+          <a:chOff x="0" y="0"/>
+          <a:chExt cx="0" cy="0"/>
+        </a:xfrm>
+      </p:grpSpPr>
+      <p:pic>
+        <p:nvPicPr>
+          <p:cNvPr id="6" name="Picture Placeholder 5">
+            <a:extLst>
+              <a:ext uri="{FF2B5EF4-FFF2-40B4-BE49-F238E27FC236}">
+                <a16:creationId xmlns:a16="http://schemas.microsoft.com/office/drawing/2014/main" xmlns="" id="{D859E4CC-DEF1-4A75-AB02-7788EC789636}"/>
+              </a:ext>
+            </a:extLst>
+          </p:cNvPr>
+          <p:cNvPicPr>
+            <a:picLocks noGrp="1" noChangeAspect="1"/>
+          </p:cNvPicPr>
+          <p:nvPr>
+            <p:ph type="pic" sz="quarter" idx="13"/>
+          </p:nvPr>
+        </p:nvPicPr>
+        <p:blipFill>
+          <a:blip r:embed="rId3" cstate="email">
+            <a:extLst>
+              <a:ext uri="{28A0092B-C50C-407E-A947-70E740481C1C}">
+                <a14:useLocalDpi xmlns:a14="http://schemas.microsoft.com/office/drawing/2010/main"/>
+              </a:ext>
+            </a:extLst>
+          </a:blip>
+          <a:srcRect/>
+          <a:stretch>
+            <a:fillRect/>
+          </a:stretch>
+        </p:blipFill>
+        <p:spPr/>
+      </p:pic>
+      <p:sp>
+        <p:nvSpPr>
+          <p:cNvPr id="8" name="Rectangle 7"/>
+          <p:cNvSpPr/>
+          <p:nvPr/>
+        </p:nvSpPr>
+        <p:spPr>
+          <a:xfrm>
+            <a:off x="0" y="0"/>
+            <a:ext cx="12192000" cy="6858000"/>
+          </a:xfrm>
+          <a:prstGeom prst="rect">
+            <a:avLst/>
+          </a:prstGeom>
+          <a:gradFill flip="none" rotWithShape="1">
+            <a:gsLst>
+              <a:gs pos="0">
+                <a:schemeClr val="accent5">
+                  <a:lumMod val="75000"/>
+                </a:schemeClr>
+              </a:gs>
+              <a:gs pos="100000">
+                <a:schemeClr val="accent1">
+                  <a:lumMod val="75000"/>
+                  <a:lumOff val="25000"/>
+                </a:schemeClr>
+              </a:gs>
+            </a:gsLst>
+            <a:lin ang="8100000" scaled="1"/>
+            <a:tileRect/>
+          </a:gradFill>
+          <a:ln>
+            <a:noFill/>
+          </a:ln>
+        </p:spPr>
+        <p:style>
+          <a:lnRef idx="2">
+            <a:schemeClr val="accent1">
+              <a:shade val="50000"/>
+            </a:schemeClr>
+          </a:lnRef>
+          <a:fillRef idx="1">
+            <a:schemeClr val="accent1"/>
+          </a:fillRef>
+          <a:effectRef idx="0">
+            <a:schemeClr val="accent1"/>
+          </a:effectRef>
+          <a:fontRef idx="minor">
+            <a:schemeClr val="lt1"/>
+          </a:fontRef>
+        </p:style>
+        <p:txBody>
+          <a:bodyPr rtlCol="0" anchor="ctr"/>
+          <a:lstStyle/>
+          <a:p>
+            <a:pPr algn="ctr"/>
+            <a:endParaRPr lang="en-US"/>
+          </a:p>
+        </p:txBody>
+      </p:sp>
+      <p:sp>
+        <p:nvSpPr>
           <p:cNvPr id="12" name="TextBox 11"/>
           <p:cNvSpPr txBox="1"/>
           <p:nvPr/>
@@ -11225,7 +12379,7 @@
           <p:cNvPr id="2" name="Group 1">
             <a:extLst>
               <a:ext uri="{FF2B5EF4-FFF2-40B4-BE49-F238E27FC236}">
-                <a16:creationId xmlns:a16="http://schemas.microsoft.com/office/drawing/2014/main" id="{FC349E2A-509A-4BF9-AB95-A9D77E852A6C}"/>
+                <a16:creationId xmlns:a16="http://schemas.microsoft.com/office/drawing/2014/main" xmlns="" id="{FC349E2A-509A-4BF9-AB95-A9D77E852A6C}"/>
               </a:ext>
             </a:extLst>
           </p:cNvPr>
@@ -11353,7 +12507,7 @@
           <p:cNvPr id="34" name="Group 33">
             <a:extLst>
               <a:ext uri="{FF2B5EF4-FFF2-40B4-BE49-F238E27FC236}">
-                <a16:creationId xmlns:a16="http://schemas.microsoft.com/office/drawing/2014/main" id="{FC349E2A-509A-4BF9-AB95-A9D77E852A6C}"/>
+                <a16:creationId xmlns:a16="http://schemas.microsoft.com/office/drawing/2014/main" xmlns="" id="{FC349E2A-509A-4BF9-AB95-A9D77E852A6C}"/>
               </a:ext>
             </a:extLst>
           </p:cNvPr>
@@ -11503,7 +12657,7 @@
           <p:cNvPr id="38" name="Group 37">
             <a:extLst>
               <a:ext uri="{FF2B5EF4-FFF2-40B4-BE49-F238E27FC236}">
-                <a16:creationId xmlns:a16="http://schemas.microsoft.com/office/drawing/2014/main" id="{FC349E2A-509A-4BF9-AB95-A9D77E852A6C}"/>
+                <a16:creationId xmlns:a16="http://schemas.microsoft.com/office/drawing/2014/main" xmlns="" id="{FC349E2A-509A-4BF9-AB95-A9D77E852A6C}"/>
               </a:ext>
             </a:extLst>
           </p:cNvPr>
@@ -11602,7 +12756,7 @@
 </p:sld>
 </file>
 
-<file path=ppt/slides/slide12.xml><?xml version="1.0" encoding="utf-8"?>
+<file path=ppt/slides/slide13.xml><?xml version="1.0" encoding="utf-8"?>
 <p:sld xmlns:a="http://schemas.openxmlformats.org/drawingml/2006/main" xmlns:r="http://schemas.openxmlformats.org/officeDocument/2006/relationships" xmlns:p="http://schemas.openxmlformats.org/presentationml/2006/main">
   <p:cSld>
     <p:spTree>
@@ -11624,7 +12778,7 @@
           <p:cNvPr id="6" name="Picture Placeholder 5">
             <a:extLst>
               <a:ext uri="{FF2B5EF4-FFF2-40B4-BE49-F238E27FC236}">
-                <a16:creationId xmlns:a16="http://schemas.microsoft.com/office/drawing/2014/main" id="{D859E4CC-DEF1-4A75-AB02-7788EC789636}"/>
+                <a16:creationId xmlns:a16="http://schemas.microsoft.com/office/drawing/2014/main" xmlns="" id="{D859E4CC-DEF1-4A75-AB02-7788EC789636}"/>
               </a:ext>
             </a:extLst>
           </p:cNvPr>
@@ -11752,7 +12906,7 @@
           <p:cNvPr id="34" name="Group 33">
             <a:extLst>
               <a:ext uri="{FF2B5EF4-FFF2-40B4-BE49-F238E27FC236}">
-                <a16:creationId xmlns:a16="http://schemas.microsoft.com/office/drawing/2014/main" id="{FC349E2A-509A-4BF9-AB95-A9D77E852A6C}"/>
+                <a16:creationId xmlns:a16="http://schemas.microsoft.com/office/drawing/2014/main" xmlns="" id="{FC349E2A-509A-4BF9-AB95-A9D77E852A6C}"/>
               </a:ext>
             </a:extLst>
           </p:cNvPr>
@@ -11873,7 +13027,7 @@
           <p:cNvPr id="6" name="Picture Placeholder 5">
             <a:extLst>
               <a:ext uri="{FF2B5EF4-FFF2-40B4-BE49-F238E27FC236}">
-                <a16:creationId xmlns:a16="http://schemas.microsoft.com/office/drawing/2014/main" id="{D859E4CC-DEF1-4A75-AB02-7788EC789636}"/>
+                <a16:creationId xmlns:a16="http://schemas.microsoft.com/office/drawing/2014/main" xmlns="" id="{D859E4CC-DEF1-4A75-AB02-7788EC789636}"/>
               </a:ext>
             </a:extLst>
           </p:cNvPr>
@@ -12031,7 +13185,7 @@
           <p:cNvPr id="6" name="Picture Placeholder 5">
             <a:extLst>
               <a:ext uri="{FF2B5EF4-FFF2-40B4-BE49-F238E27FC236}">
-                <a16:creationId xmlns:a16="http://schemas.microsoft.com/office/drawing/2014/main" id="{D859E4CC-DEF1-4A75-AB02-7788EC789636}"/>
+                <a16:creationId xmlns:a16="http://schemas.microsoft.com/office/drawing/2014/main" xmlns="" id="{D859E4CC-DEF1-4A75-AB02-7788EC789636}"/>
               </a:ext>
             </a:extLst>
           </p:cNvPr>
@@ -12211,7 +13365,7 @@
           <p:cNvPr id="6" name="Picture Placeholder 5">
             <a:extLst>
               <a:ext uri="{FF2B5EF4-FFF2-40B4-BE49-F238E27FC236}">
-                <a16:creationId xmlns:a16="http://schemas.microsoft.com/office/drawing/2014/main" id="{D859E4CC-DEF1-4A75-AB02-7788EC789636}"/>
+                <a16:creationId xmlns:a16="http://schemas.microsoft.com/office/drawing/2014/main" xmlns="" id="{D859E4CC-DEF1-4A75-AB02-7788EC789636}"/>
               </a:ext>
             </a:extLst>
           </p:cNvPr>
@@ -12369,7 +13523,7 @@
           <p:cNvPr id="6" name="Picture Placeholder 5">
             <a:extLst>
               <a:ext uri="{FF2B5EF4-FFF2-40B4-BE49-F238E27FC236}">
-                <a16:creationId xmlns:a16="http://schemas.microsoft.com/office/drawing/2014/main" id="{D859E4CC-DEF1-4A75-AB02-7788EC789636}"/>
+                <a16:creationId xmlns:a16="http://schemas.microsoft.com/office/drawing/2014/main" xmlns="" id="{D859E4CC-DEF1-4A75-AB02-7788EC789636}"/>
               </a:ext>
             </a:extLst>
           </p:cNvPr>
@@ -12527,7 +13681,7 @@
           <p:cNvPr id="6" name="Picture Placeholder 5">
             <a:extLst>
               <a:ext uri="{FF2B5EF4-FFF2-40B4-BE49-F238E27FC236}">
-                <a16:creationId xmlns:a16="http://schemas.microsoft.com/office/drawing/2014/main" id="{D859E4CC-DEF1-4A75-AB02-7788EC789636}"/>
+                <a16:creationId xmlns:a16="http://schemas.microsoft.com/office/drawing/2014/main" xmlns="" id="{D859E4CC-DEF1-4A75-AB02-7788EC789636}"/>
               </a:ext>
             </a:extLst>
           </p:cNvPr>
@@ -12685,7 +13839,7 @@
           <p:cNvPr id="6" name="Picture Placeholder 5">
             <a:extLst>
               <a:ext uri="{FF2B5EF4-FFF2-40B4-BE49-F238E27FC236}">
-                <a16:creationId xmlns:a16="http://schemas.microsoft.com/office/drawing/2014/main" id="{D859E4CC-DEF1-4A75-AB02-7788EC789636}"/>
+                <a16:creationId xmlns:a16="http://schemas.microsoft.com/office/drawing/2014/main" xmlns="" id="{D859E4CC-DEF1-4A75-AB02-7788EC789636}"/>
               </a:ext>
             </a:extLst>
           </p:cNvPr>
@@ -12843,7 +13997,7 @@
           <p:cNvPr id="6" name="Picture Placeholder 5">
             <a:extLst>
               <a:ext uri="{FF2B5EF4-FFF2-40B4-BE49-F238E27FC236}">
-                <a16:creationId xmlns:a16="http://schemas.microsoft.com/office/drawing/2014/main" id="{D859E4CC-DEF1-4A75-AB02-7788EC789636}"/>
+                <a16:creationId xmlns:a16="http://schemas.microsoft.com/office/drawing/2014/main" xmlns="" id="{D859E4CC-DEF1-4A75-AB02-7788EC789636}"/>
               </a:ext>
             </a:extLst>
           </p:cNvPr>
@@ -12929,47 +14083,133 @@
           </a:p>
         </p:txBody>
       </p:sp>
-      <p:sp>
-        <p:nvSpPr>
-          <p:cNvPr id="37" name="TextBox 36"/>
-          <p:cNvSpPr txBox="1"/>
+      <p:pic>
+        <p:nvPicPr>
+          <p:cNvPr id="1029" name="Picture 5" descr="C:\Repo\human-gamepad\pictures\main.png"/>
+          <p:cNvPicPr>
+            <a:picLocks noChangeAspect="1" noChangeArrowheads="1"/>
+          </p:cNvPicPr>
           <p:nvPr/>
-        </p:nvSpPr>
-        <p:spPr>
+        </p:nvPicPr>
+        <p:blipFill>
+          <a:blip r:embed="rId4" cstate="print">
+            <a:extLst>
+              <a:ext uri="{28A0092B-C50C-407E-A947-70E740481C1C}">
+                <a14:useLocalDpi xmlns:a14="http://schemas.microsoft.com/office/drawing/2010/main" val="0"/>
+              </a:ext>
+            </a:extLst>
+          </a:blip>
+          <a:srcRect/>
+          <a:stretch>
+            <a:fillRect/>
+          </a:stretch>
+        </p:blipFill>
+        <p:spPr bwMode="auto">
           <a:xfrm>
-            <a:off x="1158241" y="2039905"/>
-            <a:ext cx="9797098" cy="1200329"/>
+            <a:off x="708660" y="445770"/>
+            <a:ext cx="2983230" cy="5966460"/>
           </a:xfrm>
           <a:prstGeom prst="rect">
             <a:avLst/>
           </a:prstGeom>
           <a:noFill/>
+          <a:extLst>
+            <a:ext uri="{909E8E84-426E-40DD-AFC4-6F175D3DCCD1}">
+              <a14:hiddenFill xmlns:a14="http://schemas.microsoft.com/office/drawing/2010/main">
+                <a:solidFill>
+                  <a:srgbClr val="FFFFFF"/>
+                </a:solidFill>
+              </a14:hiddenFill>
+            </a:ext>
+          </a:extLst>
         </p:spPr>
-        <p:txBody>
-          <a:bodyPr wrap="square" rtlCol="0">
-            <a:spAutoFit/>
-          </a:bodyPr>
-          <a:lstStyle/>
-          <a:p>
-            <a:pPr algn="ctr"/>
-            <a:r>
-              <a:rPr lang="en-US" sz="7200" b="1" dirty="0">
+      </p:pic>
+      <p:pic>
+        <p:nvPicPr>
+          <p:cNvPr id="1030" name="Picture 6" descr="C:\Repo\human-gamepad\pictures\buttons.png"/>
+          <p:cNvPicPr>
+            <a:picLocks noChangeAspect="1" noChangeArrowheads="1"/>
+          </p:cNvPicPr>
+          <p:nvPr/>
+        </p:nvPicPr>
+        <p:blipFill>
+          <a:blip r:embed="rId5" cstate="print">
+            <a:extLst>
+              <a:ext uri="{28A0092B-C50C-407E-A947-70E740481C1C}">
+                <a14:useLocalDpi xmlns:a14="http://schemas.microsoft.com/office/drawing/2010/main" val="0"/>
+              </a:ext>
+            </a:extLst>
+          </a:blip>
+          <a:srcRect/>
+          <a:stretch>
+            <a:fillRect/>
+          </a:stretch>
+        </p:blipFill>
+        <p:spPr bwMode="auto">
+          <a:xfrm>
+            <a:off x="4604385" y="445770"/>
+            <a:ext cx="2983230" cy="5966460"/>
+          </a:xfrm>
+          <a:prstGeom prst="rect">
+            <a:avLst/>
+          </a:prstGeom>
+          <a:noFill/>
+          <a:extLst>
+            <a:ext uri="{909E8E84-426E-40DD-AFC4-6F175D3DCCD1}">
+              <a14:hiddenFill xmlns:a14="http://schemas.microsoft.com/office/drawing/2010/main">
                 <a:solidFill>
-                  <a:schemeClr val="bg1"/>
+                  <a:srgbClr val="FFFFFF"/>
                 </a:solidFill>
-                <a:latin typeface="Open Sans" panose="020B0606030504020204" pitchFamily="34" charset="0"/>
-                <a:ea typeface="Open Sans" panose="020B0606030504020204" pitchFamily="34" charset="0"/>
-                <a:cs typeface="Open Sans" panose="020B0606030504020204" pitchFamily="34" charset="0"/>
-              </a:rPr>
-              <a:t>Real world test</a:t>
-            </a:r>
-          </a:p>
-        </p:txBody>
-      </p:sp>
+              </a14:hiddenFill>
+            </a:ext>
+          </a:extLst>
+        </p:spPr>
+      </p:pic>
+      <p:pic>
+        <p:nvPicPr>
+          <p:cNvPr id="1032" name="Picture 8" descr="C:\Repo\human-gamepad\pictures\roll.png"/>
+          <p:cNvPicPr>
+            <a:picLocks noChangeAspect="1" noChangeArrowheads="1"/>
+          </p:cNvPicPr>
+          <p:nvPr/>
+        </p:nvPicPr>
+        <p:blipFill>
+          <a:blip r:embed="rId6" cstate="print">
+            <a:extLst>
+              <a:ext uri="{28A0092B-C50C-407E-A947-70E740481C1C}">
+                <a14:useLocalDpi xmlns:a14="http://schemas.microsoft.com/office/drawing/2010/main" val="0"/>
+              </a:ext>
+            </a:extLst>
+          </a:blip>
+          <a:srcRect/>
+          <a:stretch>
+            <a:fillRect/>
+          </a:stretch>
+        </p:blipFill>
+        <p:spPr bwMode="auto">
+          <a:xfrm>
+            <a:off x="8457173" y="445770"/>
+            <a:ext cx="2983230" cy="5966460"/>
+          </a:xfrm>
+          <a:prstGeom prst="rect">
+            <a:avLst/>
+          </a:prstGeom>
+          <a:noFill/>
+          <a:extLst>
+            <a:ext uri="{909E8E84-426E-40DD-AFC4-6F175D3DCCD1}">
+              <a14:hiddenFill xmlns:a14="http://schemas.microsoft.com/office/drawing/2010/main">
+                <a:solidFill>
+                  <a:srgbClr val="FFFFFF"/>
+                </a:solidFill>
+              </a14:hiddenFill>
+            </a:ext>
+          </a:extLst>
+        </p:spPr>
+      </p:pic>
     </p:spTree>
     <p:extLst>
       <p:ext uri="{BB962C8B-B14F-4D97-AF65-F5344CB8AC3E}">
-        <p14:creationId xmlns:p14="http://schemas.microsoft.com/office/powerpoint/2010/main" val="2037778219"/>
+        <p14:creationId xmlns:p14="http://schemas.microsoft.com/office/powerpoint/2010/main" val="1918666703"/>
       </p:ext>
     </p:extLst>
   </p:cSld>
@@ -13001,7 +14241,7 @@
           <p:cNvPr id="6" name="Picture Placeholder 5">
             <a:extLst>
               <a:ext uri="{FF2B5EF4-FFF2-40B4-BE49-F238E27FC236}">
-                <a16:creationId xmlns:a16="http://schemas.microsoft.com/office/drawing/2014/main" id="{D859E4CC-DEF1-4A75-AB02-7788EC789636}"/>
+                <a16:creationId xmlns:a16="http://schemas.microsoft.com/office/drawing/2014/main" xmlns="" id="{D859E4CC-DEF1-4A75-AB02-7788EC789636}"/>
               </a:ext>
             </a:extLst>
           </p:cNvPr>
@@ -13119,7 +14359,7 @@
                 <a:ea typeface="Open Sans" panose="020B0606030504020204" pitchFamily="34" charset="0"/>
                 <a:cs typeface="Open Sans" panose="020B0606030504020204" pitchFamily="34" charset="0"/>
               </a:rPr>
-              <a:t>Simple and Stupid</a:t>
+              <a:t>Real world test</a:t>
             </a:r>
           </a:p>
         </p:txBody>
@@ -13127,7 +14367,7 @@
     </p:spTree>
     <p:extLst>
       <p:ext uri="{BB962C8B-B14F-4D97-AF65-F5344CB8AC3E}">
-        <p14:creationId xmlns:p14="http://schemas.microsoft.com/office/powerpoint/2010/main" val="1997767710"/>
+        <p14:creationId xmlns:p14="http://schemas.microsoft.com/office/powerpoint/2010/main" val="2037778219"/>
       </p:ext>
     </p:extLst>
   </p:cSld>
@@ -13392,7 +14632,7 @@
   <a:extraClrSchemeLst/>
   <a:extLst>
     <a:ext uri="{05A4C25C-085E-4340-85A3-A5531E510DB2}">
-      <thm15:themeFamily xmlns:thm15="http://schemas.microsoft.com/office/thememl/2012/main" name="Office Theme" id="{62F939B6-93AF-4DB8-9C6B-D6C7DFDC589F}" vid="{4A3C46E8-61CC-4603-A589-7422A47A8E4A}"/>
+      <thm15:themeFamily xmlns:thm15="http://schemas.microsoft.com/office/thememl/2012/main" xmlns="" name="Office Theme" id="{62F939B6-93AF-4DB8-9C6B-D6C7DFDC589F}" vid="{4A3C46E8-61CC-4603-A589-7422A47A8E4A}"/>
     </a:ext>
   </a:extLst>
 </a:theme>
@@ -13687,7 +14927,7 @@
   <a:extraClrSchemeLst/>
   <a:extLst>
     <a:ext uri="{05A4C25C-085E-4340-85A3-A5531E510DB2}">
-      <thm15:themeFamily xmlns:thm15="http://schemas.microsoft.com/office/thememl/2012/main" name="Office Theme" id="{62F939B6-93AF-4DB8-9C6B-D6C7DFDC589F}" vid="{4A3C46E8-61CC-4603-A589-7422A47A8E4A}"/>
+      <thm15:themeFamily xmlns:thm15="http://schemas.microsoft.com/office/thememl/2012/main" xmlns="" name="Office Theme" id="{62F939B6-93AF-4DB8-9C6B-D6C7DFDC589F}" vid="{4A3C46E8-61CC-4603-A589-7422A47A8E4A}"/>
     </a:ext>
   </a:extLst>
 </a:theme>
@@ -13982,7 +15222,7 @@
   <a:extraClrSchemeLst/>
   <a:extLst>
     <a:ext uri="{05A4C25C-085E-4340-85A3-A5531E510DB2}">
-      <thm15:themeFamily xmlns:thm15="http://schemas.microsoft.com/office/thememl/2012/main" name="Office Theme" id="{62F939B6-93AF-4DB8-9C6B-D6C7DFDC589F}" vid="{4A3C46E8-61CC-4603-A589-7422A47A8E4A}"/>
+      <thm15:themeFamily xmlns:thm15="http://schemas.microsoft.com/office/thememl/2012/main" xmlns="" name="Office Theme" id="{62F939B6-93AF-4DB8-9C6B-D6C7DFDC589F}" vid="{4A3C46E8-61CC-4603-A589-7422A47A8E4A}"/>
     </a:ext>
   </a:extLst>
 </a:theme>
